--- a/발표자료/발표 피피티/9주차_발표피피티_four_elSe ver1.1.pptx
+++ b/발표자료/발표 피피티/9주차_발표피피티_four_elSe ver1.1.pptx
@@ -268,7 +268,7 @@
             <a:fld id="{13361362-2AA8-4DE4-A0D4-60D8EC3C3453}" type="datetimeFigureOut">
               <a:rPr lang="ko-KR" altLang="en-US" smtClean="0"/>
               <a:pPr/>
-              <a:t>2021-04-27</a:t>
+              <a:t>2021-04-28</a:t>
             </a:fld>
             <a:endParaRPr lang="ko-KR" altLang="en-US" dirty="0"/>
           </a:p>
@@ -435,7 +435,7 @@
             <a:fld id="{CD9E3518-7FD5-4940-B949-8EA134B4F936}" type="datetimeFigureOut">
               <a:rPr lang="ko-KR" altLang="en-US" smtClean="0"/>
               <a:pPr/>
-              <a:t>2021-04-27</a:t>
+              <a:t>2021-04-28</a:t>
             </a:fld>
             <a:endParaRPr lang="ko-KR" altLang="en-US" dirty="0"/>
           </a:p>
@@ -9275,10 +9275,10 @@
       </p:sp>
       <p:grpSp>
         <p:nvGrpSpPr>
-          <p:cNvPr id="40" name="그룹 39">
+          <p:cNvPr id="8" name="그룹 7">
             <a:extLst>
               <a:ext uri="{FF2B5EF4-FFF2-40B4-BE49-F238E27FC236}">
-                <a16:creationId xmlns:a16="http://schemas.microsoft.com/office/drawing/2014/main" id="{C05EEA68-7988-4BA6-96E9-BDE62F5E8887}"/>
+                <a16:creationId xmlns:a16="http://schemas.microsoft.com/office/drawing/2014/main" id="{C36582A3-9C26-476F-B838-133B6E492213}"/>
               </a:ext>
             </a:extLst>
           </p:cNvPr>
@@ -9287,103 +9287,18 @@
         </p:nvGrpSpPr>
         <p:grpSpPr>
           <a:xfrm>
-            <a:off x="683568" y="2849032"/>
-            <a:ext cx="7632848" cy="3240796"/>
-            <a:chOff x="348143" y="1385469"/>
-            <a:chExt cx="10036029" cy="5143542"/>
+            <a:off x="575851" y="2397743"/>
+            <a:ext cx="8350831" cy="4204097"/>
+            <a:chOff x="575851" y="2397743"/>
+            <a:chExt cx="8350831" cy="4204097"/>
           </a:xfrm>
         </p:grpSpPr>
-        <p:cxnSp>
-          <p:nvCxnSpPr>
-            <p:cNvPr id="42" name="직선 화살표 연결선 41">
+        <p:grpSp>
+          <p:nvGrpSpPr>
+            <p:cNvPr id="6" name="그룹 5">
               <a:extLst>
                 <a:ext uri="{FF2B5EF4-FFF2-40B4-BE49-F238E27FC236}">
-                  <a16:creationId xmlns:a16="http://schemas.microsoft.com/office/drawing/2014/main" id="{23311D90-92BE-4E62-9005-29510DACF301}"/>
-                </a:ext>
-              </a:extLst>
-            </p:cNvPr>
-            <p:cNvCxnSpPr>
-              <a:cxnSpLocks/>
-              <a:endCxn id="64" idx="0"/>
-            </p:cNvCxnSpPr>
-            <p:nvPr/>
-          </p:nvCxnSpPr>
-          <p:spPr>
-            <a:xfrm>
-              <a:off x="2141290" y="1385469"/>
-              <a:ext cx="0" cy="1065226"/>
-            </a:xfrm>
-            <a:prstGeom prst="straightConnector1">
-              <a:avLst/>
-            </a:prstGeom>
-            <a:ln>
-              <a:tailEnd type="triangle"/>
-            </a:ln>
-          </p:spPr>
-          <p:style>
-            <a:lnRef idx="1">
-              <a:schemeClr val="accent1"/>
-            </a:lnRef>
-            <a:fillRef idx="0">
-              <a:schemeClr val="accent1"/>
-            </a:fillRef>
-            <a:effectRef idx="0">
-              <a:schemeClr val="accent1"/>
-            </a:effectRef>
-            <a:fontRef idx="minor">
-              <a:schemeClr val="tx1"/>
-            </a:fontRef>
-          </p:style>
-        </p:cxnSp>
-        <p:cxnSp>
-          <p:nvCxnSpPr>
-            <p:cNvPr id="43" name="직선 화살표 연결선 42">
-              <a:extLst>
-                <a:ext uri="{FF2B5EF4-FFF2-40B4-BE49-F238E27FC236}">
-                  <a16:creationId xmlns:a16="http://schemas.microsoft.com/office/drawing/2014/main" id="{446242F1-BBAC-4CE9-9F9F-5D2DFA55928C}"/>
-                </a:ext>
-              </a:extLst>
-            </p:cNvPr>
-            <p:cNvCxnSpPr>
-              <a:cxnSpLocks/>
-              <a:stCxn id="64" idx="2"/>
-              <a:endCxn id="65" idx="0"/>
-            </p:cNvCxnSpPr>
-            <p:nvPr/>
-          </p:nvCxnSpPr>
-          <p:spPr>
-            <a:xfrm>
-              <a:off x="2141290" y="2963434"/>
-              <a:ext cx="0" cy="299947"/>
-            </a:xfrm>
-            <a:prstGeom prst="straightConnector1">
-              <a:avLst/>
-            </a:prstGeom>
-            <a:ln>
-              <a:tailEnd type="triangle"/>
-            </a:ln>
-          </p:spPr>
-          <p:style>
-            <a:lnRef idx="1">
-              <a:schemeClr val="accent1"/>
-            </a:lnRef>
-            <a:fillRef idx="0">
-              <a:schemeClr val="accent1"/>
-            </a:fillRef>
-            <a:effectRef idx="0">
-              <a:schemeClr val="accent1"/>
-            </a:effectRef>
-            <a:fontRef idx="minor">
-              <a:schemeClr val="tx1"/>
-            </a:fontRef>
-          </p:style>
-        </p:cxnSp>
-        <p:grpSp>
-          <p:nvGrpSpPr>
-            <p:cNvPr id="44" name="그룹 43">
-              <a:extLst>
-                <a:ext uri="{FF2B5EF4-FFF2-40B4-BE49-F238E27FC236}">
-                  <a16:creationId xmlns:a16="http://schemas.microsoft.com/office/drawing/2014/main" id="{0806EF58-14F4-4000-B7A6-E4C69403CEDB}"/>
+                  <a16:creationId xmlns:a16="http://schemas.microsoft.com/office/drawing/2014/main" id="{EEBAFA22-D598-43C0-8194-D702FA4E40A5}"/>
                 </a:ext>
               </a:extLst>
             </p:cNvPr>
@@ -9392,919 +9307,32 @@
           </p:nvGrpSpPr>
           <p:grpSpPr>
             <a:xfrm>
-              <a:off x="348143" y="1985362"/>
-              <a:ext cx="3586294" cy="4543649"/>
-              <a:chOff x="2309072" y="2063692"/>
-              <a:chExt cx="3586294" cy="4543649"/>
+              <a:off x="575851" y="2397743"/>
+              <a:ext cx="8350831" cy="4204097"/>
+              <a:chOff x="675046" y="2368964"/>
+              <a:chExt cx="8350831" cy="4204097"/>
             </a:xfrm>
           </p:grpSpPr>
-          <p:grpSp>
-            <p:nvGrpSpPr>
-              <p:cNvPr id="60" name="그룹 59">
+          <p:cxnSp>
+            <p:nvCxnSpPr>
+              <p:cNvPr id="76" name="연결선: 꺾임 75">
                 <a:extLst>
                   <a:ext uri="{FF2B5EF4-FFF2-40B4-BE49-F238E27FC236}">
-                    <a16:creationId xmlns:a16="http://schemas.microsoft.com/office/drawing/2014/main" id="{21A14BDE-791F-47B4-A96C-947FD6CABA66}"/>
-                  </a:ext>
-                </a:extLst>
-              </p:cNvPr>
-              <p:cNvGrpSpPr/>
-              <p:nvPr/>
-            </p:nvGrpSpPr>
-            <p:grpSpPr>
-              <a:xfrm>
-                <a:off x="2309072" y="2063692"/>
-                <a:ext cx="3586294" cy="3749879"/>
-                <a:chOff x="2309072" y="2063692"/>
-                <a:chExt cx="3586294" cy="4110605"/>
-              </a:xfrm>
-            </p:grpSpPr>
-            <p:sp>
-              <p:nvSpPr>
-                <p:cNvPr id="63" name="사각형: 둥근 모서리 62">
-                  <a:extLst>
-                    <a:ext uri="{FF2B5EF4-FFF2-40B4-BE49-F238E27FC236}">
-                      <a16:creationId xmlns:a16="http://schemas.microsoft.com/office/drawing/2014/main" id="{ADC75FC9-F03A-47B0-8DCB-C0441BA99E4B}"/>
-                    </a:ext>
-                  </a:extLst>
-                </p:cNvPr>
-                <p:cNvSpPr/>
-                <p:nvPr/>
-              </p:nvSpPr>
-              <p:spPr>
-                <a:xfrm>
-                  <a:off x="2309072" y="2063692"/>
-                  <a:ext cx="3586294" cy="4110605"/>
-                </a:xfrm>
-                <a:prstGeom prst="roundRect">
-                  <a:avLst/>
-                </a:prstGeom>
-                <a:noFill/>
-              </p:spPr>
-              <p:style>
-                <a:lnRef idx="2">
-                  <a:schemeClr val="accent1">
-                    <a:shade val="50000"/>
-                  </a:schemeClr>
-                </a:lnRef>
-                <a:fillRef idx="1">
-                  <a:schemeClr val="accent1"/>
-                </a:fillRef>
-                <a:effectRef idx="0">
-                  <a:schemeClr val="accent1"/>
-                </a:effectRef>
-                <a:fontRef idx="minor">
-                  <a:schemeClr val="lt1"/>
-                </a:fontRef>
-              </p:style>
-              <p:txBody>
-                <a:bodyPr rtlCol="0" anchor="ctr"/>
-                <a:lstStyle/>
-                <a:p>
-                  <a:pPr algn="ctr"/>
-                  <a:endParaRPr lang="en-US" altLang="ko-KR" dirty="0"/>
-                </a:p>
-              </p:txBody>
-            </p:sp>
-            <p:sp>
-              <p:nvSpPr>
-                <p:cNvPr id="64" name="사각형: 둥근 모서리 63">
-                  <a:extLst>
-                    <a:ext uri="{FF2B5EF4-FFF2-40B4-BE49-F238E27FC236}">
-                      <a16:creationId xmlns:a16="http://schemas.microsoft.com/office/drawing/2014/main" id="{72471F53-E76D-44DF-B453-0F899646FC5C}"/>
-                    </a:ext>
-                  </a:extLst>
-                </p:cNvPr>
-                <p:cNvSpPr/>
-                <p:nvPr/>
-              </p:nvSpPr>
-              <p:spPr>
-                <a:xfrm>
-                  <a:off x="3460985" y="2573789"/>
-                  <a:ext cx="1282467" cy="562063"/>
-                </a:xfrm>
-                <a:prstGeom prst="roundRect">
-                  <a:avLst/>
-                </a:prstGeom>
-              </p:spPr>
-              <p:style>
-                <a:lnRef idx="2">
-                  <a:schemeClr val="accent1">
-                    <a:shade val="50000"/>
-                  </a:schemeClr>
-                </a:lnRef>
-                <a:fillRef idx="1">
-                  <a:schemeClr val="accent1"/>
-                </a:fillRef>
-                <a:effectRef idx="0">
-                  <a:schemeClr val="accent1"/>
-                </a:effectRef>
-                <a:fontRef idx="minor">
-                  <a:schemeClr val="lt1"/>
-                </a:fontRef>
-              </p:style>
-              <p:txBody>
-                <a:bodyPr rtlCol="0" anchor="ctr"/>
-                <a:lstStyle/>
-                <a:p>
-                  <a:pPr algn="ctr"/>
-                  <a:r>
-                    <a:rPr lang="en-US" altLang="ko-KR" sz="1200" dirty="0"/>
-                    <a:t>backbone</a:t>
-                  </a:r>
-                  <a:endParaRPr lang="ko-KR" altLang="en-US" sz="1200" dirty="0"/>
-                </a:p>
-              </p:txBody>
-            </p:sp>
-            <p:sp>
-              <p:nvSpPr>
-                <p:cNvPr id="65" name="사각형: 둥근 모서리 64">
-                  <a:extLst>
-                    <a:ext uri="{FF2B5EF4-FFF2-40B4-BE49-F238E27FC236}">
-                      <a16:creationId xmlns:a16="http://schemas.microsoft.com/office/drawing/2014/main" id="{BD405A17-50D5-4EC9-BD71-2C5965CC22FE}"/>
-                    </a:ext>
-                  </a:extLst>
-                </p:cNvPr>
-                <p:cNvSpPr/>
-                <p:nvPr/>
-              </p:nvSpPr>
-              <p:spPr>
-                <a:xfrm>
-                  <a:off x="3569518" y="3464652"/>
-                  <a:ext cx="1065402" cy="562063"/>
-                </a:xfrm>
-                <a:prstGeom prst="roundRect">
-                  <a:avLst/>
-                </a:prstGeom>
-              </p:spPr>
-              <p:style>
-                <a:lnRef idx="2">
-                  <a:schemeClr val="accent1">
-                    <a:shade val="50000"/>
-                  </a:schemeClr>
-                </a:lnRef>
-                <a:fillRef idx="1">
-                  <a:schemeClr val="accent1"/>
-                </a:fillRef>
-                <a:effectRef idx="0">
-                  <a:schemeClr val="accent1"/>
-                </a:effectRef>
-                <a:fontRef idx="minor">
-                  <a:schemeClr val="lt1"/>
-                </a:fontRef>
-              </p:style>
-              <p:txBody>
-                <a:bodyPr rtlCol="0" anchor="ctr"/>
-                <a:lstStyle/>
-                <a:p>
-                  <a:pPr algn="ctr"/>
-                  <a:r>
-                    <a:rPr lang="en-US" altLang="ko-KR" sz="1100" dirty="0"/>
-                    <a:t>Feature map</a:t>
-                  </a:r>
-                  <a:endParaRPr lang="ko-KR" altLang="en-US" sz="1100" dirty="0"/>
-                </a:p>
-              </p:txBody>
-            </p:sp>
-            <p:sp>
-              <p:nvSpPr>
-                <p:cNvPr id="66" name="사각형: 둥근 모서리 65">
-                  <a:extLst>
-                    <a:ext uri="{FF2B5EF4-FFF2-40B4-BE49-F238E27FC236}">
-                      <a16:creationId xmlns:a16="http://schemas.microsoft.com/office/drawing/2014/main" id="{B153834D-52E1-417A-A9C9-DC2A62787D21}"/>
-                    </a:ext>
-                  </a:extLst>
-                </p:cNvPr>
-                <p:cNvSpPr/>
-                <p:nvPr/>
-              </p:nvSpPr>
-              <p:spPr>
-                <a:xfrm>
-                  <a:off x="2325847" y="4900566"/>
-                  <a:ext cx="1634455" cy="562063"/>
-                </a:xfrm>
-                <a:prstGeom prst="roundRect">
-                  <a:avLst/>
-                </a:prstGeom>
-              </p:spPr>
-              <p:style>
-                <a:lnRef idx="2">
-                  <a:schemeClr val="accent1">
-                    <a:shade val="50000"/>
-                  </a:schemeClr>
-                </a:lnRef>
-                <a:fillRef idx="1">
-                  <a:schemeClr val="accent1"/>
-                </a:fillRef>
-                <a:effectRef idx="0">
-                  <a:schemeClr val="accent1"/>
-                </a:effectRef>
-                <a:fontRef idx="minor">
-                  <a:schemeClr val="lt1"/>
-                </a:fontRef>
-              </p:style>
-              <p:txBody>
-                <a:bodyPr rtlCol="0" anchor="ctr"/>
-                <a:lstStyle/>
-                <a:p>
-                  <a:pPr algn="ctr"/>
-                  <a:r>
-                    <a:rPr lang="en-US" altLang="ko-KR" sz="1200" dirty="0"/>
-                    <a:t>Regional Proposal</a:t>
-                  </a:r>
-                  <a:endParaRPr lang="ko-KR" altLang="en-US" sz="1200" dirty="0"/>
-                </a:p>
-              </p:txBody>
-            </p:sp>
-            <p:sp>
-              <p:nvSpPr>
-                <p:cNvPr id="67" name="사각형: 둥근 모서리 66">
-                  <a:extLst>
-                    <a:ext uri="{FF2B5EF4-FFF2-40B4-BE49-F238E27FC236}">
-                      <a16:creationId xmlns:a16="http://schemas.microsoft.com/office/drawing/2014/main" id="{82F17A52-9B92-4B46-9929-0535A6291073}"/>
-                    </a:ext>
-                  </a:extLst>
-                </p:cNvPr>
-                <p:cNvSpPr/>
-                <p:nvPr/>
-              </p:nvSpPr>
-              <p:spPr>
-                <a:xfrm>
-                  <a:off x="4189952" y="4900565"/>
-                  <a:ext cx="1634455" cy="562063"/>
-                </a:xfrm>
-                <a:prstGeom prst="roundRect">
-                  <a:avLst/>
-                </a:prstGeom>
-              </p:spPr>
-              <p:style>
-                <a:lnRef idx="2">
-                  <a:schemeClr val="accent1">
-                    <a:shade val="50000"/>
-                  </a:schemeClr>
-                </a:lnRef>
-                <a:fillRef idx="1">
-                  <a:schemeClr val="accent1"/>
-                </a:fillRef>
-                <a:effectRef idx="0">
-                  <a:schemeClr val="accent1"/>
-                </a:effectRef>
-                <a:fontRef idx="minor">
-                  <a:schemeClr val="lt1"/>
-                </a:fontRef>
-              </p:style>
-              <p:txBody>
-                <a:bodyPr rtlCol="0" anchor="ctr"/>
-                <a:lstStyle/>
-                <a:p>
-                  <a:pPr algn="ctr"/>
-                  <a:r>
-                    <a:rPr lang="en-US" altLang="ko-KR" sz="1200" dirty="0"/>
-                    <a:t>Classification</a:t>
-                  </a:r>
-                  <a:endParaRPr lang="ko-KR" altLang="en-US" sz="1200" dirty="0"/>
-                </a:p>
-              </p:txBody>
-            </p:sp>
-            <p:sp>
-              <p:nvSpPr>
-                <p:cNvPr id="68" name="TextBox 67">
-                  <a:extLst>
-                    <a:ext uri="{FF2B5EF4-FFF2-40B4-BE49-F238E27FC236}">
-                      <a16:creationId xmlns:a16="http://schemas.microsoft.com/office/drawing/2014/main" id="{2D4D1D43-4614-4E40-9811-80FD5306CF48}"/>
-                    </a:ext>
-                  </a:extLst>
-                </p:cNvPr>
-                <p:cNvSpPr txBox="1"/>
-                <p:nvPr/>
-              </p:nvSpPr>
-              <p:spPr>
-                <a:xfrm>
-                  <a:off x="3137492" y="2063692"/>
-                  <a:ext cx="1929455" cy="395745"/>
-                </a:xfrm>
-                <a:prstGeom prst="rect">
-                  <a:avLst/>
-                </a:prstGeom>
-                <a:noFill/>
-              </p:spPr>
-              <p:txBody>
-                <a:bodyPr wrap="square" rtlCol="0">
-                  <a:spAutoFit/>
-                </a:bodyPr>
-                <a:lstStyle/>
-                <a:p>
-                  <a:r>
-                    <a:rPr lang="en-US" altLang="ko-KR" sz="1200" dirty="0"/>
-                    <a:t>Object detection</a:t>
-                  </a:r>
-                </a:p>
-              </p:txBody>
-            </p:sp>
-            <p:cxnSp>
-              <p:nvCxnSpPr>
-                <p:cNvPr id="69" name="직선 화살표 연결선 68">
-                  <a:extLst>
-                    <a:ext uri="{FF2B5EF4-FFF2-40B4-BE49-F238E27FC236}">
-                      <a16:creationId xmlns:a16="http://schemas.microsoft.com/office/drawing/2014/main" id="{BBD45697-2CEC-4617-80D9-F1BB4F9192E0}"/>
-                    </a:ext>
-                  </a:extLst>
-                </p:cNvPr>
-                <p:cNvCxnSpPr>
-                  <a:cxnSpLocks/>
-                  <a:stCxn id="65" idx="2"/>
-                  <a:endCxn id="66" idx="0"/>
-                </p:cNvCxnSpPr>
-                <p:nvPr/>
-              </p:nvCxnSpPr>
-              <p:spPr>
-                <a:xfrm flipH="1">
-                  <a:off x="3143075" y="4026715"/>
-                  <a:ext cx="959144" cy="873851"/>
-                </a:xfrm>
-                <a:prstGeom prst="straightConnector1">
-                  <a:avLst/>
-                </a:prstGeom>
-                <a:ln>
-                  <a:tailEnd type="triangle"/>
-                </a:ln>
-              </p:spPr>
-              <p:style>
-                <a:lnRef idx="1">
-                  <a:schemeClr val="accent1"/>
-                </a:lnRef>
-                <a:fillRef idx="0">
-                  <a:schemeClr val="accent1"/>
-                </a:fillRef>
-                <a:effectRef idx="0">
-                  <a:schemeClr val="accent1"/>
-                </a:effectRef>
-                <a:fontRef idx="minor">
-                  <a:schemeClr val="tx1"/>
-                </a:fontRef>
-              </p:style>
-            </p:cxnSp>
-            <p:cxnSp>
-              <p:nvCxnSpPr>
-                <p:cNvPr id="70" name="직선 화살표 연결선 69">
-                  <a:extLst>
-                    <a:ext uri="{FF2B5EF4-FFF2-40B4-BE49-F238E27FC236}">
-                      <a16:creationId xmlns:a16="http://schemas.microsoft.com/office/drawing/2014/main" id="{88F7AC76-8CB6-4116-8D7C-B96881D39477}"/>
-                    </a:ext>
-                  </a:extLst>
-                </p:cNvPr>
-                <p:cNvCxnSpPr>
-                  <a:cxnSpLocks/>
-                  <a:stCxn id="65" idx="2"/>
-                  <a:endCxn id="67" idx="0"/>
-                </p:cNvCxnSpPr>
-                <p:nvPr/>
-              </p:nvCxnSpPr>
-              <p:spPr>
-                <a:xfrm>
-                  <a:off x="4102219" y="4026715"/>
-                  <a:ext cx="904961" cy="873850"/>
-                </a:xfrm>
-                <a:prstGeom prst="straightConnector1">
-                  <a:avLst/>
-                </a:prstGeom>
-                <a:ln>
-                  <a:tailEnd type="triangle"/>
-                </a:ln>
-              </p:spPr>
-              <p:style>
-                <a:lnRef idx="1">
-                  <a:schemeClr val="accent1"/>
-                </a:lnRef>
-                <a:fillRef idx="0">
-                  <a:schemeClr val="accent1"/>
-                </a:fillRef>
-                <a:effectRef idx="0">
-                  <a:schemeClr val="accent1"/>
-                </a:effectRef>
-                <a:fontRef idx="minor">
-                  <a:schemeClr val="tx1"/>
-                </a:fontRef>
-              </p:style>
-            </p:cxnSp>
-          </p:grpSp>
-          <p:sp>
-            <p:nvSpPr>
-              <p:cNvPr id="61" name="사각형: 둥근 모서리 60">
-                <a:extLst>
-                  <a:ext uri="{FF2B5EF4-FFF2-40B4-BE49-F238E27FC236}">
-                    <a16:creationId xmlns:a16="http://schemas.microsoft.com/office/drawing/2014/main" id="{4F93C605-A976-4FFB-83E6-CA9B0357F239}"/>
-                  </a:ext>
-                </a:extLst>
-              </p:cNvPr>
-              <p:cNvSpPr/>
-              <p:nvPr/>
-            </p:nvSpPr>
-            <p:spPr>
-              <a:xfrm>
-                <a:off x="2309072" y="6045278"/>
-                <a:ext cx="1634455" cy="562063"/>
-              </a:xfrm>
-              <a:prstGeom prst="roundRect">
-                <a:avLst/>
-              </a:prstGeom>
-            </p:spPr>
-            <p:style>
-              <a:lnRef idx="2">
-                <a:schemeClr val="accent1">
-                  <a:shade val="50000"/>
-                </a:schemeClr>
-              </a:lnRef>
-              <a:fillRef idx="1">
-                <a:schemeClr val="accent1"/>
-              </a:fillRef>
-              <a:effectRef idx="0">
-                <a:schemeClr val="accent1"/>
-              </a:effectRef>
-              <a:fontRef idx="minor">
-                <a:schemeClr val="lt1"/>
-              </a:fontRef>
-            </p:style>
-            <p:txBody>
-              <a:bodyPr rtlCol="0" anchor="ctr"/>
-              <a:lstStyle/>
-              <a:p>
-                <a:pPr algn="ctr"/>
-                <a:r>
-                  <a:rPr lang="en-US" altLang="ko-KR" dirty="0"/>
-                  <a:t>Location</a:t>
-                </a:r>
-                <a:endParaRPr lang="ko-KR" altLang="en-US" dirty="0"/>
-              </a:p>
-            </p:txBody>
-          </p:sp>
-          <p:sp>
-            <p:nvSpPr>
-              <p:cNvPr id="62" name="사각형: 둥근 모서리 61">
-                <a:extLst>
-                  <a:ext uri="{FF2B5EF4-FFF2-40B4-BE49-F238E27FC236}">
-                    <a16:creationId xmlns:a16="http://schemas.microsoft.com/office/drawing/2014/main" id="{1AF52033-ACF1-4837-839F-150FED9CEA68}"/>
-                  </a:ext>
-                </a:extLst>
-              </p:cNvPr>
-              <p:cNvSpPr/>
-              <p:nvPr/>
-            </p:nvSpPr>
-            <p:spPr>
-              <a:xfrm>
-                <a:off x="4189951" y="6003088"/>
-                <a:ext cx="1634455" cy="562063"/>
-              </a:xfrm>
-              <a:prstGeom prst="roundRect">
-                <a:avLst/>
-              </a:prstGeom>
-            </p:spPr>
-            <p:style>
-              <a:lnRef idx="2">
-                <a:schemeClr val="accent1">
-                  <a:shade val="50000"/>
-                </a:schemeClr>
-              </a:lnRef>
-              <a:fillRef idx="1">
-                <a:schemeClr val="accent1"/>
-              </a:fillRef>
-              <a:effectRef idx="0">
-                <a:schemeClr val="accent1"/>
-              </a:effectRef>
-              <a:fontRef idx="minor">
-                <a:schemeClr val="lt1"/>
-              </a:fontRef>
-            </p:style>
-            <p:txBody>
-              <a:bodyPr rtlCol="0" anchor="ctr"/>
-              <a:lstStyle/>
-              <a:p>
-                <a:pPr algn="ctr"/>
-                <a:r>
-                  <a:rPr lang="en-US" altLang="ko-KR" dirty="0"/>
-                  <a:t>Tag</a:t>
-                </a:r>
-                <a:endParaRPr lang="ko-KR" altLang="en-US" dirty="0"/>
-              </a:p>
-            </p:txBody>
-          </p:sp>
-        </p:grpSp>
-        <p:cxnSp>
-          <p:nvCxnSpPr>
-            <p:cNvPr id="45" name="직선 화살표 연결선 44">
-              <a:extLst>
-                <a:ext uri="{FF2B5EF4-FFF2-40B4-BE49-F238E27FC236}">
-                  <a16:creationId xmlns:a16="http://schemas.microsoft.com/office/drawing/2014/main" id="{A6CAEF8A-C7CA-4BC8-9685-3D261A573E71}"/>
-                </a:ext>
-              </a:extLst>
-            </p:cNvPr>
-            <p:cNvCxnSpPr>
-              <a:cxnSpLocks/>
-              <a:stCxn id="66" idx="2"/>
-              <a:endCxn id="61" idx="0"/>
-            </p:cNvCxnSpPr>
-            <p:nvPr/>
-          </p:nvCxnSpPr>
-          <p:spPr>
-            <a:xfrm flipH="1">
-              <a:off x="1165371" y="5086025"/>
-              <a:ext cx="16775" cy="880923"/>
-            </a:xfrm>
-            <a:prstGeom prst="straightConnector1">
-              <a:avLst/>
-            </a:prstGeom>
-            <a:ln>
-              <a:tailEnd type="triangle"/>
-            </a:ln>
-          </p:spPr>
-          <p:style>
-            <a:lnRef idx="1">
-              <a:schemeClr val="accent1"/>
-            </a:lnRef>
-            <a:fillRef idx="0">
-              <a:schemeClr val="accent1"/>
-            </a:fillRef>
-            <a:effectRef idx="0">
-              <a:schemeClr val="accent1"/>
-            </a:effectRef>
-            <a:fontRef idx="minor">
-              <a:schemeClr val="tx1"/>
-            </a:fontRef>
-          </p:style>
-        </p:cxnSp>
-        <p:cxnSp>
-          <p:nvCxnSpPr>
-            <p:cNvPr id="46" name="직선 화살표 연결선 45">
-              <a:extLst>
-                <a:ext uri="{FF2B5EF4-FFF2-40B4-BE49-F238E27FC236}">
-                  <a16:creationId xmlns:a16="http://schemas.microsoft.com/office/drawing/2014/main" id="{CBBD7559-BA27-4E0D-8B6E-40CDAEAFE607}"/>
-                </a:ext>
-              </a:extLst>
-            </p:cNvPr>
-            <p:cNvCxnSpPr>
-              <a:cxnSpLocks/>
-              <a:stCxn id="67" idx="2"/>
-              <a:endCxn id="62" idx="0"/>
-            </p:cNvCxnSpPr>
-            <p:nvPr/>
-          </p:nvCxnSpPr>
-          <p:spPr>
-            <a:xfrm flipH="1">
-              <a:off x="3046250" y="5086024"/>
-              <a:ext cx="1" cy="838734"/>
-            </a:xfrm>
-            <a:prstGeom prst="straightConnector1">
-              <a:avLst/>
-            </a:prstGeom>
-            <a:ln>
-              <a:tailEnd type="triangle"/>
-            </a:ln>
-          </p:spPr>
-          <p:style>
-            <a:lnRef idx="1">
-              <a:schemeClr val="accent1"/>
-            </a:lnRef>
-            <a:fillRef idx="0">
-              <a:schemeClr val="accent1"/>
-            </a:fillRef>
-            <a:effectRef idx="0">
-              <a:schemeClr val="accent1"/>
-            </a:effectRef>
-            <a:fontRef idx="minor">
-              <a:schemeClr val="tx1"/>
-            </a:fontRef>
-          </p:style>
-        </p:cxnSp>
-        <p:grpSp>
-          <p:nvGrpSpPr>
-            <p:cNvPr id="47" name="그룹 46">
-              <a:extLst>
-                <a:ext uri="{FF2B5EF4-FFF2-40B4-BE49-F238E27FC236}">
-                  <a16:creationId xmlns:a16="http://schemas.microsoft.com/office/drawing/2014/main" id="{8997BEB6-8432-4548-91F2-E222356E6BB1}"/>
-                </a:ext>
-              </a:extLst>
-            </p:cNvPr>
-            <p:cNvGrpSpPr/>
-            <p:nvPr/>
-          </p:nvGrpSpPr>
-          <p:grpSpPr>
-            <a:xfrm>
-              <a:off x="8559567" y="2914142"/>
-              <a:ext cx="1824605" cy="1029714"/>
-              <a:chOff x="2309072" y="2063692"/>
-              <a:chExt cx="3586295" cy="4110605"/>
-            </a:xfrm>
-          </p:grpSpPr>
-          <p:sp>
-            <p:nvSpPr>
-              <p:cNvPr id="58" name="사각형: 둥근 모서리 57">
-                <a:extLst>
-                  <a:ext uri="{FF2B5EF4-FFF2-40B4-BE49-F238E27FC236}">
-                    <a16:creationId xmlns:a16="http://schemas.microsoft.com/office/drawing/2014/main" id="{66099E7A-8D0E-4C8D-8D5F-AD87F026FCE3}"/>
-                  </a:ext>
-                </a:extLst>
-              </p:cNvPr>
-              <p:cNvSpPr/>
-              <p:nvPr/>
-            </p:nvSpPr>
-            <p:spPr>
-              <a:xfrm>
-                <a:off x="2309072" y="2063692"/>
-                <a:ext cx="3586294" cy="4110605"/>
-              </a:xfrm>
-              <a:prstGeom prst="roundRect">
-                <a:avLst/>
-              </a:prstGeom>
-              <a:noFill/>
-            </p:spPr>
-            <p:style>
-              <a:lnRef idx="2">
-                <a:schemeClr val="accent1">
-                  <a:shade val="50000"/>
-                </a:schemeClr>
-              </a:lnRef>
-              <a:fillRef idx="1">
-                <a:schemeClr val="accent1"/>
-              </a:fillRef>
-              <a:effectRef idx="0">
-                <a:schemeClr val="accent1"/>
-              </a:effectRef>
-              <a:fontRef idx="minor">
-                <a:schemeClr val="lt1"/>
-              </a:fontRef>
-            </p:style>
-            <p:txBody>
-              <a:bodyPr rtlCol="0" anchor="ctr"/>
-              <a:lstStyle/>
-              <a:p>
-                <a:pPr algn="ctr"/>
-                <a:endParaRPr lang="en-US" altLang="ko-KR" dirty="0"/>
-              </a:p>
-            </p:txBody>
-          </p:sp>
-          <p:sp>
-            <p:nvSpPr>
-              <p:cNvPr id="59" name="TextBox 58">
-                <a:extLst>
-                  <a:ext uri="{FF2B5EF4-FFF2-40B4-BE49-F238E27FC236}">
-                    <a16:creationId xmlns:a16="http://schemas.microsoft.com/office/drawing/2014/main" id="{951F76BA-127A-4926-957B-E1CFC2E5FC9A}"/>
-                  </a:ext>
-                </a:extLst>
-              </p:cNvPr>
-              <p:cNvSpPr txBox="1"/>
-              <p:nvPr/>
-            </p:nvSpPr>
-            <p:spPr>
-              <a:xfrm>
-                <a:off x="2687590" y="3131824"/>
-                <a:ext cx="3207777" cy="3042473"/>
-              </a:xfrm>
-              <a:prstGeom prst="rect">
-                <a:avLst/>
-              </a:prstGeom>
-              <a:noFill/>
-            </p:spPr>
-            <p:txBody>
-              <a:bodyPr wrap="square" rtlCol="0">
-                <a:spAutoFit/>
-              </a:bodyPr>
-              <a:lstStyle/>
-              <a:p>
-                <a:r>
-                  <a:rPr lang="en-US" altLang="ko-KR" sz="1600" dirty="0" err="1"/>
-                  <a:t>FeatureDB</a:t>
-                </a:r>
-                <a:endParaRPr lang="en-US" altLang="ko-KR" sz="1600" dirty="0"/>
-              </a:p>
-              <a:p>
-                <a:endParaRPr lang="en-US" altLang="ko-KR" sz="1600" dirty="0"/>
-              </a:p>
-            </p:txBody>
-          </p:sp>
-        </p:grpSp>
-        <p:grpSp>
-          <p:nvGrpSpPr>
-            <p:cNvPr id="48" name="그룹 47">
-              <a:extLst>
-                <a:ext uri="{FF2B5EF4-FFF2-40B4-BE49-F238E27FC236}">
-                  <a16:creationId xmlns:a16="http://schemas.microsoft.com/office/drawing/2014/main" id="{52352DCD-9910-4C04-A8C4-B1112AC0F261}"/>
-                </a:ext>
-              </a:extLst>
-            </p:cNvPr>
-            <p:cNvGrpSpPr/>
-            <p:nvPr/>
-          </p:nvGrpSpPr>
-          <p:grpSpPr>
-            <a:xfrm>
-              <a:off x="4150101" y="2081868"/>
-              <a:ext cx="3586294" cy="3749879"/>
-              <a:chOff x="2309072" y="2063692"/>
-              <a:chExt cx="3586294" cy="4110605"/>
-            </a:xfrm>
-          </p:grpSpPr>
-          <p:sp>
-            <p:nvSpPr>
-              <p:cNvPr id="53" name="사각형: 둥근 모서리 52">
-                <a:extLst>
-                  <a:ext uri="{FF2B5EF4-FFF2-40B4-BE49-F238E27FC236}">
-                    <a16:creationId xmlns:a16="http://schemas.microsoft.com/office/drawing/2014/main" id="{E05F6887-25AA-414E-8CE8-B069F4C47784}"/>
-                  </a:ext>
-                </a:extLst>
-              </p:cNvPr>
-              <p:cNvSpPr/>
-              <p:nvPr/>
-            </p:nvSpPr>
-            <p:spPr>
-              <a:xfrm>
-                <a:off x="2309072" y="2063692"/>
-                <a:ext cx="3586294" cy="4110605"/>
-              </a:xfrm>
-              <a:prstGeom prst="roundRect">
-                <a:avLst/>
-              </a:prstGeom>
-              <a:noFill/>
-            </p:spPr>
-            <p:style>
-              <a:lnRef idx="2">
-                <a:schemeClr val="accent1">
-                  <a:shade val="50000"/>
-                </a:schemeClr>
-              </a:lnRef>
-              <a:fillRef idx="1">
-                <a:schemeClr val="accent1"/>
-              </a:fillRef>
-              <a:effectRef idx="0">
-                <a:schemeClr val="accent1"/>
-              </a:effectRef>
-              <a:fontRef idx="minor">
-                <a:schemeClr val="lt1"/>
-              </a:fontRef>
-            </p:style>
-            <p:txBody>
-              <a:bodyPr rtlCol="0" anchor="ctr"/>
-              <a:lstStyle/>
-              <a:p>
-                <a:pPr algn="ctr"/>
-                <a:endParaRPr lang="en-US" altLang="ko-KR" dirty="0"/>
-              </a:p>
-            </p:txBody>
-          </p:sp>
-          <p:sp>
-            <p:nvSpPr>
-              <p:cNvPr id="54" name="사각형: 둥근 모서리 53">
-                <a:extLst>
-                  <a:ext uri="{FF2B5EF4-FFF2-40B4-BE49-F238E27FC236}">
-                    <a16:creationId xmlns:a16="http://schemas.microsoft.com/office/drawing/2014/main" id="{3C98159A-5245-4DD6-ADD6-17E2DACD5F77}"/>
-                  </a:ext>
-                </a:extLst>
-              </p:cNvPr>
-              <p:cNvSpPr/>
-              <p:nvPr/>
-            </p:nvSpPr>
-            <p:spPr>
-              <a:xfrm>
-                <a:off x="3224522" y="3358863"/>
-                <a:ext cx="1634454" cy="562063"/>
-              </a:xfrm>
-              <a:prstGeom prst="roundRect">
-                <a:avLst/>
-              </a:prstGeom>
-            </p:spPr>
-            <p:style>
-              <a:lnRef idx="2">
-                <a:schemeClr val="accent1">
-                  <a:shade val="50000"/>
-                </a:schemeClr>
-              </a:lnRef>
-              <a:fillRef idx="1">
-                <a:schemeClr val="accent1"/>
-              </a:fillRef>
-              <a:effectRef idx="0">
-                <a:schemeClr val="accent1"/>
-              </a:effectRef>
-              <a:fontRef idx="minor">
-                <a:schemeClr val="lt1"/>
-              </a:fontRef>
-            </p:style>
-            <p:txBody>
-              <a:bodyPr rtlCol="0" anchor="ctr"/>
-              <a:lstStyle/>
-              <a:p>
-                <a:pPr algn="ctr"/>
-                <a:r>
-                  <a:rPr lang="en-US" altLang="ko-KR" sz="1100" dirty="0"/>
-                  <a:t>Dimensionality Reduction</a:t>
-                </a:r>
-                <a:endParaRPr lang="ko-KR" altLang="en-US" sz="1100" dirty="0"/>
-              </a:p>
-            </p:txBody>
-          </p:sp>
-          <p:sp>
-            <p:nvSpPr>
-              <p:cNvPr id="55" name="사각형: 둥근 모서리 54">
-                <a:extLst>
-                  <a:ext uri="{FF2B5EF4-FFF2-40B4-BE49-F238E27FC236}">
-                    <a16:creationId xmlns:a16="http://schemas.microsoft.com/office/drawing/2014/main" id="{136CB25E-01EB-44DF-8972-94FD6E026988}"/>
-                  </a:ext>
-                </a:extLst>
-              </p:cNvPr>
-              <p:cNvSpPr/>
-              <p:nvPr/>
-            </p:nvSpPr>
-            <p:spPr>
-              <a:xfrm>
-                <a:off x="3214032" y="5399513"/>
-                <a:ext cx="1634455" cy="562063"/>
-              </a:xfrm>
-              <a:prstGeom prst="roundRect">
-                <a:avLst/>
-              </a:prstGeom>
-            </p:spPr>
-            <p:style>
-              <a:lnRef idx="2">
-                <a:schemeClr val="accent1">
-                  <a:shade val="50000"/>
-                </a:schemeClr>
-              </a:lnRef>
-              <a:fillRef idx="1">
-                <a:schemeClr val="accent1"/>
-              </a:fillRef>
-              <a:effectRef idx="0">
-                <a:schemeClr val="accent1"/>
-              </a:effectRef>
-              <a:fontRef idx="minor">
-                <a:schemeClr val="lt1"/>
-              </a:fontRef>
-            </p:style>
-            <p:txBody>
-              <a:bodyPr rtlCol="0" anchor="ctr"/>
-              <a:lstStyle/>
-              <a:p>
-                <a:pPr algn="ctr"/>
-                <a:r>
-                  <a:rPr lang="en-US" altLang="ko-KR" sz="1400" dirty="0"/>
-                  <a:t>Calculator</a:t>
-                </a:r>
-                <a:endParaRPr lang="ko-KR" altLang="en-US" sz="1400" dirty="0"/>
-              </a:p>
-            </p:txBody>
-          </p:sp>
-          <p:sp>
-            <p:nvSpPr>
-              <p:cNvPr id="56" name="TextBox 55">
-                <a:extLst>
-                  <a:ext uri="{FF2B5EF4-FFF2-40B4-BE49-F238E27FC236}">
-                    <a16:creationId xmlns:a16="http://schemas.microsoft.com/office/drawing/2014/main" id="{5D9B515C-06BD-4A4C-B29F-7A14A3F9EF53}"/>
-                  </a:ext>
-                </a:extLst>
-              </p:cNvPr>
-              <p:cNvSpPr txBox="1"/>
-              <p:nvPr/>
-            </p:nvSpPr>
-            <p:spPr>
-              <a:xfrm>
-                <a:off x="2927757" y="2063692"/>
-                <a:ext cx="2567033" cy="439717"/>
-              </a:xfrm>
-              <a:prstGeom prst="rect">
-                <a:avLst/>
-              </a:prstGeom>
-              <a:noFill/>
-            </p:spPr>
-            <p:txBody>
-              <a:bodyPr wrap="square" rtlCol="0">
-                <a:spAutoFit/>
-              </a:bodyPr>
-              <a:lstStyle/>
-              <a:p>
-                <a:r>
-                  <a:rPr lang="en-US" altLang="ko-KR" sz="1400" dirty="0"/>
-                  <a:t>Similarity Calculator</a:t>
-                </a:r>
-              </a:p>
-            </p:txBody>
-          </p:sp>
-          <p:cxnSp>
-            <p:nvCxnSpPr>
-              <p:cNvPr id="57" name="직선 화살표 연결선 56">
-                <a:extLst>
-                  <a:ext uri="{FF2B5EF4-FFF2-40B4-BE49-F238E27FC236}">
-                    <a16:creationId xmlns:a16="http://schemas.microsoft.com/office/drawing/2014/main" id="{A4A8B854-6C73-4C43-852E-2D17950C92BD}"/>
+                    <a16:creationId xmlns:a16="http://schemas.microsoft.com/office/drawing/2014/main" id="{8F499C22-3FCB-4CDE-B706-357BCAE6CB1F}"/>
                   </a:ext>
                 </a:extLst>
               </p:cNvPr>
               <p:cNvCxnSpPr>
-                <a:cxnSpLocks/>
-                <a:stCxn id="54" idx="2"/>
-                <a:endCxn id="55" idx="0"/>
+                <a:stCxn id="61" idx="2"/>
               </p:cNvCxnSpPr>
               <p:nvPr/>
             </p:nvCxnSpPr>
             <p:spPr>
-              <a:xfrm flipH="1">
-                <a:off x="4031260" y="3920925"/>
-                <a:ext cx="10489" cy="1478587"/>
+              <a:xfrm rot="16200000" flipH="1">
+                <a:off x="2316229" y="4995572"/>
+                <a:ext cx="291500" cy="2330790"/>
               </a:xfrm>
-              <a:prstGeom prst="straightConnector1">
+              <a:prstGeom prst="bentConnector2">
                 <a:avLst/>
               </a:prstGeom>
               <a:ln>
@@ -10326,144 +9354,1424 @@
               </a:fontRef>
             </p:style>
           </p:cxnSp>
+          <p:cxnSp>
+            <p:nvCxnSpPr>
+              <p:cNvPr id="78" name="연결선: 꺾임 77">
+                <a:extLst>
+                  <a:ext uri="{FF2B5EF4-FFF2-40B4-BE49-F238E27FC236}">
+                    <a16:creationId xmlns:a16="http://schemas.microsoft.com/office/drawing/2014/main" id="{EA7859D7-9EBE-4CBB-B138-3DDBC6370035}"/>
+                  </a:ext>
+                </a:extLst>
+              </p:cNvPr>
+              <p:cNvCxnSpPr>
+                <a:stCxn id="62" idx="2"/>
+              </p:cNvCxnSpPr>
+              <p:nvPr/>
+            </p:nvCxnSpPr>
+            <p:spPr>
+              <a:xfrm rot="16200000" flipH="1">
+                <a:off x="3018184" y="5697527"/>
+                <a:ext cx="318082" cy="900297"/>
+              </a:xfrm>
+              <a:prstGeom prst="bentConnector2">
+                <a:avLst/>
+              </a:prstGeom>
+              <a:ln>
+                <a:tailEnd type="triangle"/>
+              </a:ln>
+            </p:spPr>
+            <p:style>
+              <a:lnRef idx="1">
+                <a:schemeClr val="accent1"/>
+              </a:lnRef>
+              <a:fillRef idx="0">
+                <a:schemeClr val="accent1"/>
+              </a:fillRef>
+              <a:effectRef idx="0">
+                <a:schemeClr val="accent1"/>
+              </a:effectRef>
+              <a:fontRef idx="minor">
+                <a:schemeClr val="tx1"/>
+              </a:fontRef>
+            </p:style>
+          </p:cxnSp>
+          <p:grpSp>
+            <p:nvGrpSpPr>
+              <p:cNvPr id="5" name="그룹 4">
+                <a:extLst>
+                  <a:ext uri="{FF2B5EF4-FFF2-40B4-BE49-F238E27FC236}">
+                    <a16:creationId xmlns:a16="http://schemas.microsoft.com/office/drawing/2014/main" id="{C6F3772C-6AAA-450C-A4ED-334EC277494E}"/>
+                  </a:ext>
+                </a:extLst>
+              </p:cNvPr>
+              <p:cNvGrpSpPr/>
+              <p:nvPr/>
+            </p:nvGrpSpPr>
+            <p:grpSpPr>
+              <a:xfrm>
+                <a:off x="675046" y="2368964"/>
+                <a:ext cx="8350831" cy="4204097"/>
+                <a:chOff x="675046" y="2368964"/>
+                <a:chExt cx="8350831" cy="4204097"/>
+              </a:xfrm>
+            </p:grpSpPr>
+            <p:grpSp>
+              <p:nvGrpSpPr>
+                <p:cNvPr id="40" name="그룹 39">
+                  <a:extLst>
+                    <a:ext uri="{FF2B5EF4-FFF2-40B4-BE49-F238E27FC236}">
+                      <a16:creationId xmlns:a16="http://schemas.microsoft.com/office/drawing/2014/main" id="{C05EEA68-7988-4BA6-96E9-BDE62F5E8887}"/>
+                    </a:ext>
+                  </a:extLst>
+                </p:cNvPr>
+                <p:cNvGrpSpPr/>
+                <p:nvPr/>
+              </p:nvGrpSpPr>
+              <p:grpSpPr>
+                <a:xfrm>
+                  <a:off x="675046" y="2994249"/>
+                  <a:ext cx="7632848" cy="3020968"/>
+                  <a:chOff x="348143" y="1734363"/>
+                  <a:chExt cx="10036029" cy="4794648"/>
+                </a:xfrm>
+              </p:grpSpPr>
+              <p:cxnSp>
+                <p:nvCxnSpPr>
+                  <p:cNvPr id="42" name="직선 화살표 연결선 41">
+                    <a:extLst>
+                      <a:ext uri="{FF2B5EF4-FFF2-40B4-BE49-F238E27FC236}">
+                        <a16:creationId xmlns:a16="http://schemas.microsoft.com/office/drawing/2014/main" id="{23311D90-92BE-4E62-9005-29510DACF301}"/>
+                      </a:ext>
+                    </a:extLst>
+                  </p:cNvPr>
+                  <p:cNvCxnSpPr>
+                    <a:cxnSpLocks/>
+                    <a:stCxn id="7" idx="2"/>
+                    <a:endCxn id="64" idx="0"/>
+                  </p:cNvCxnSpPr>
+                  <p:nvPr/>
+                </p:nvCxnSpPr>
+                <p:spPr>
+                  <a:xfrm>
+                    <a:off x="2141290" y="1734363"/>
+                    <a:ext cx="0" cy="716332"/>
+                  </a:xfrm>
+                  <a:prstGeom prst="straightConnector1">
+                    <a:avLst/>
+                  </a:prstGeom>
+                  <a:ln>
+                    <a:tailEnd type="triangle"/>
+                  </a:ln>
+                </p:spPr>
+                <p:style>
+                  <a:lnRef idx="1">
+                    <a:schemeClr val="accent1"/>
+                  </a:lnRef>
+                  <a:fillRef idx="0">
+                    <a:schemeClr val="accent1"/>
+                  </a:fillRef>
+                  <a:effectRef idx="0">
+                    <a:schemeClr val="accent1"/>
+                  </a:effectRef>
+                  <a:fontRef idx="minor">
+                    <a:schemeClr val="tx1"/>
+                  </a:fontRef>
+                </p:style>
+              </p:cxnSp>
+              <p:cxnSp>
+                <p:nvCxnSpPr>
+                  <p:cNvPr id="43" name="직선 화살표 연결선 42">
+                    <a:extLst>
+                      <a:ext uri="{FF2B5EF4-FFF2-40B4-BE49-F238E27FC236}">
+                        <a16:creationId xmlns:a16="http://schemas.microsoft.com/office/drawing/2014/main" id="{446242F1-BBAC-4CE9-9F9F-5D2DFA55928C}"/>
+                      </a:ext>
+                    </a:extLst>
+                  </p:cNvPr>
+                  <p:cNvCxnSpPr>
+                    <a:cxnSpLocks/>
+                    <a:stCxn id="64" idx="2"/>
+                    <a:endCxn id="65" idx="0"/>
+                  </p:cNvCxnSpPr>
+                  <p:nvPr/>
+                </p:nvCxnSpPr>
+                <p:spPr>
+                  <a:xfrm>
+                    <a:off x="2141290" y="2963434"/>
+                    <a:ext cx="0" cy="299947"/>
+                  </a:xfrm>
+                  <a:prstGeom prst="straightConnector1">
+                    <a:avLst/>
+                  </a:prstGeom>
+                  <a:ln>
+                    <a:tailEnd type="triangle"/>
+                  </a:ln>
+                </p:spPr>
+                <p:style>
+                  <a:lnRef idx="1">
+                    <a:schemeClr val="accent1"/>
+                  </a:lnRef>
+                  <a:fillRef idx="0">
+                    <a:schemeClr val="accent1"/>
+                  </a:fillRef>
+                  <a:effectRef idx="0">
+                    <a:schemeClr val="accent1"/>
+                  </a:effectRef>
+                  <a:fontRef idx="minor">
+                    <a:schemeClr val="tx1"/>
+                  </a:fontRef>
+                </p:style>
+              </p:cxnSp>
+              <p:grpSp>
+                <p:nvGrpSpPr>
+                  <p:cNvPr id="44" name="그룹 43">
+                    <a:extLst>
+                      <a:ext uri="{FF2B5EF4-FFF2-40B4-BE49-F238E27FC236}">
+                        <a16:creationId xmlns:a16="http://schemas.microsoft.com/office/drawing/2014/main" id="{0806EF58-14F4-4000-B7A6-E4C69403CEDB}"/>
+                      </a:ext>
+                    </a:extLst>
+                  </p:cNvPr>
+                  <p:cNvGrpSpPr/>
+                  <p:nvPr/>
+                </p:nvGrpSpPr>
+                <p:grpSpPr>
+                  <a:xfrm>
+                    <a:off x="348143" y="1985362"/>
+                    <a:ext cx="3586294" cy="4543649"/>
+                    <a:chOff x="2309072" y="2063692"/>
+                    <a:chExt cx="3586294" cy="4543649"/>
+                  </a:xfrm>
+                </p:grpSpPr>
+                <p:grpSp>
+                  <p:nvGrpSpPr>
+                    <p:cNvPr id="60" name="그룹 59">
+                      <a:extLst>
+                        <a:ext uri="{FF2B5EF4-FFF2-40B4-BE49-F238E27FC236}">
+                          <a16:creationId xmlns:a16="http://schemas.microsoft.com/office/drawing/2014/main" id="{21A14BDE-791F-47B4-A96C-947FD6CABA66}"/>
+                        </a:ext>
+                      </a:extLst>
+                    </p:cNvPr>
+                    <p:cNvGrpSpPr/>
+                    <p:nvPr/>
+                  </p:nvGrpSpPr>
+                  <p:grpSpPr>
+                    <a:xfrm>
+                      <a:off x="2309072" y="2063692"/>
+                      <a:ext cx="3586294" cy="3749879"/>
+                      <a:chOff x="2309072" y="2063692"/>
+                      <a:chExt cx="3586294" cy="4110605"/>
+                    </a:xfrm>
+                  </p:grpSpPr>
+                  <p:sp>
+                    <p:nvSpPr>
+                      <p:cNvPr id="63" name="사각형: 둥근 모서리 62">
+                        <a:extLst>
+                          <a:ext uri="{FF2B5EF4-FFF2-40B4-BE49-F238E27FC236}">
+                            <a16:creationId xmlns:a16="http://schemas.microsoft.com/office/drawing/2014/main" id="{ADC75FC9-F03A-47B0-8DCB-C0441BA99E4B}"/>
+                          </a:ext>
+                        </a:extLst>
+                      </p:cNvPr>
+                      <p:cNvSpPr/>
+                      <p:nvPr/>
+                    </p:nvSpPr>
+                    <p:spPr>
+                      <a:xfrm>
+                        <a:off x="2309072" y="2063692"/>
+                        <a:ext cx="3586294" cy="4110605"/>
+                      </a:xfrm>
+                      <a:prstGeom prst="roundRect">
+                        <a:avLst/>
+                      </a:prstGeom>
+                      <a:noFill/>
+                    </p:spPr>
+                    <p:style>
+                      <a:lnRef idx="2">
+                        <a:schemeClr val="accent1">
+                          <a:shade val="50000"/>
+                        </a:schemeClr>
+                      </a:lnRef>
+                      <a:fillRef idx="1">
+                        <a:schemeClr val="accent1"/>
+                      </a:fillRef>
+                      <a:effectRef idx="0">
+                        <a:schemeClr val="accent1"/>
+                      </a:effectRef>
+                      <a:fontRef idx="minor">
+                        <a:schemeClr val="lt1"/>
+                      </a:fontRef>
+                    </p:style>
+                    <p:txBody>
+                      <a:bodyPr rtlCol="0" anchor="ctr"/>
+                      <a:lstStyle/>
+                      <a:p>
+                        <a:pPr algn="ctr"/>
+                        <a:endParaRPr lang="en-US" altLang="ko-KR" dirty="0"/>
+                      </a:p>
+                    </p:txBody>
+                  </p:sp>
+                  <p:sp>
+                    <p:nvSpPr>
+                      <p:cNvPr id="64" name="사각형: 둥근 모서리 63">
+                        <a:extLst>
+                          <a:ext uri="{FF2B5EF4-FFF2-40B4-BE49-F238E27FC236}">
+                            <a16:creationId xmlns:a16="http://schemas.microsoft.com/office/drawing/2014/main" id="{72471F53-E76D-44DF-B453-0F899646FC5C}"/>
+                          </a:ext>
+                        </a:extLst>
+                      </p:cNvPr>
+                      <p:cNvSpPr/>
+                      <p:nvPr/>
+                    </p:nvSpPr>
+                    <p:spPr>
+                      <a:xfrm>
+                        <a:off x="3460985" y="2573789"/>
+                        <a:ext cx="1282467" cy="562063"/>
+                      </a:xfrm>
+                      <a:prstGeom prst="roundRect">
+                        <a:avLst/>
+                      </a:prstGeom>
+                    </p:spPr>
+                    <p:style>
+                      <a:lnRef idx="2">
+                        <a:schemeClr val="accent1">
+                          <a:shade val="50000"/>
+                        </a:schemeClr>
+                      </a:lnRef>
+                      <a:fillRef idx="1">
+                        <a:schemeClr val="accent1"/>
+                      </a:fillRef>
+                      <a:effectRef idx="0">
+                        <a:schemeClr val="accent1"/>
+                      </a:effectRef>
+                      <a:fontRef idx="minor">
+                        <a:schemeClr val="lt1"/>
+                      </a:fontRef>
+                    </p:style>
+                    <p:txBody>
+                      <a:bodyPr rtlCol="0" anchor="ctr"/>
+                      <a:lstStyle/>
+                      <a:p>
+                        <a:pPr algn="ctr"/>
+                        <a:r>
+                          <a:rPr lang="en-US" altLang="ko-KR" sz="1200" dirty="0"/>
+                          <a:t>backbone</a:t>
+                        </a:r>
+                        <a:endParaRPr lang="ko-KR" altLang="en-US" sz="1200" dirty="0"/>
+                      </a:p>
+                    </p:txBody>
+                  </p:sp>
+                  <p:sp>
+                    <p:nvSpPr>
+                      <p:cNvPr id="65" name="사각형: 둥근 모서리 64">
+                        <a:extLst>
+                          <a:ext uri="{FF2B5EF4-FFF2-40B4-BE49-F238E27FC236}">
+                            <a16:creationId xmlns:a16="http://schemas.microsoft.com/office/drawing/2014/main" id="{BD405A17-50D5-4EC9-BD71-2C5965CC22FE}"/>
+                          </a:ext>
+                        </a:extLst>
+                      </p:cNvPr>
+                      <p:cNvSpPr/>
+                      <p:nvPr/>
+                    </p:nvSpPr>
+                    <p:spPr>
+                      <a:xfrm>
+                        <a:off x="3569518" y="3464652"/>
+                        <a:ext cx="1065402" cy="562063"/>
+                      </a:xfrm>
+                      <a:prstGeom prst="roundRect">
+                        <a:avLst/>
+                      </a:prstGeom>
+                    </p:spPr>
+                    <p:style>
+                      <a:lnRef idx="2">
+                        <a:schemeClr val="accent1">
+                          <a:shade val="50000"/>
+                        </a:schemeClr>
+                      </a:lnRef>
+                      <a:fillRef idx="1">
+                        <a:schemeClr val="accent1"/>
+                      </a:fillRef>
+                      <a:effectRef idx="0">
+                        <a:schemeClr val="accent1"/>
+                      </a:effectRef>
+                      <a:fontRef idx="minor">
+                        <a:schemeClr val="lt1"/>
+                      </a:fontRef>
+                    </p:style>
+                    <p:txBody>
+                      <a:bodyPr rtlCol="0" anchor="ctr"/>
+                      <a:lstStyle/>
+                      <a:p>
+                        <a:pPr algn="ctr"/>
+                        <a:r>
+                          <a:rPr lang="en-US" altLang="ko-KR" sz="1100" dirty="0"/>
+                          <a:t>Feature map</a:t>
+                        </a:r>
+                        <a:endParaRPr lang="ko-KR" altLang="en-US" sz="1100" dirty="0"/>
+                      </a:p>
+                    </p:txBody>
+                  </p:sp>
+                  <p:sp>
+                    <p:nvSpPr>
+                      <p:cNvPr id="66" name="사각형: 둥근 모서리 65">
+                        <a:extLst>
+                          <a:ext uri="{FF2B5EF4-FFF2-40B4-BE49-F238E27FC236}">
+                            <a16:creationId xmlns:a16="http://schemas.microsoft.com/office/drawing/2014/main" id="{B153834D-52E1-417A-A9C9-DC2A62787D21}"/>
+                          </a:ext>
+                        </a:extLst>
+                      </p:cNvPr>
+                      <p:cNvSpPr/>
+                      <p:nvPr/>
+                    </p:nvSpPr>
+                    <p:spPr>
+                      <a:xfrm>
+                        <a:off x="2325847" y="4900566"/>
+                        <a:ext cx="1634455" cy="562063"/>
+                      </a:xfrm>
+                      <a:prstGeom prst="roundRect">
+                        <a:avLst/>
+                      </a:prstGeom>
+                    </p:spPr>
+                    <p:style>
+                      <a:lnRef idx="2">
+                        <a:schemeClr val="accent1">
+                          <a:shade val="50000"/>
+                        </a:schemeClr>
+                      </a:lnRef>
+                      <a:fillRef idx="1">
+                        <a:schemeClr val="accent1"/>
+                      </a:fillRef>
+                      <a:effectRef idx="0">
+                        <a:schemeClr val="accent1"/>
+                      </a:effectRef>
+                      <a:fontRef idx="minor">
+                        <a:schemeClr val="lt1"/>
+                      </a:fontRef>
+                    </p:style>
+                    <p:txBody>
+                      <a:bodyPr rtlCol="0" anchor="ctr"/>
+                      <a:lstStyle/>
+                      <a:p>
+                        <a:pPr algn="ctr"/>
+                        <a:r>
+                          <a:rPr lang="en-US" altLang="ko-KR" sz="1200" dirty="0"/>
+                          <a:t>Regional Proposal</a:t>
+                        </a:r>
+                        <a:endParaRPr lang="ko-KR" altLang="en-US" sz="1200" dirty="0"/>
+                      </a:p>
+                    </p:txBody>
+                  </p:sp>
+                  <p:sp>
+                    <p:nvSpPr>
+                      <p:cNvPr id="67" name="사각형: 둥근 모서리 66">
+                        <a:extLst>
+                          <a:ext uri="{FF2B5EF4-FFF2-40B4-BE49-F238E27FC236}">
+                            <a16:creationId xmlns:a16="http://schemas.microsoft.com/office/drawing/2014/main" id="{82F17A52-9B92-4B46-9929-0535A6291073}"/>
+                          </a:ext>
+                        </a:extLst>
+                      </p:cNvPr>
+                      <p:cNvSpPr/>
+                      <p:nvPr/>
+                    </p:nvSpPr>
+                    <p:spPr>
+                      <a:xfrm>
+                        <a:off x="4189952" y="4900565"/>
+                        <a:ext cx="1634455" cy="562063"/>
+                      </a:xfrm>
+                      <a:prstGeom prst="roundRect">
+                        <a:avLst/>
+                      </a:prstGeom>
+                    </p:spPr>
+                    <p:style>
+                      <a:lnRef idx="2">
+                        <a:schemeClr val="accent1">
+                          <a:shade val="50000"/>
+                        </a:schemeClr>
+                      </a:lnRef>
+                      <a:fillRef idx="1">
+                        <a:schemeClr val="accent1"/>
+                      </a:fillRef>
+                      <a:effectRef idx="0">
+                        <a:schemeClr val="accent1"/>
+                      </a:effectRef>
+                      <a:fontRef idx="minor">
+                        <a:schemeClr val="lt1"/>
+                      </a:fontRef>
+                    </p:style>
+                    <p:txBody>
+                      <a:bodyPr rtlCol="0" anchor="ctr"/>
+                      <a:lstStyle/>
+                      <a:p>
+                        <a:pPr algn="ctr"/>
+                        <a:r>
+                          <a:rPr lang="en-US" altLang="ko-KR" sz="1200" dirty="0"/>
+                          <a:t>Classification</a:t>
+                        </a:r>
+                        <a:endParaRPr lang="ko-KR" altLang="en-US" sz="1200" dirty="0"/>
+                      </a:p>
+                    </p:txBody>
+                  </p:sp>
+                  <p:sp>
+                    <p:nvSpPr>
+                      <p:cNvPr id="68" name="TextBox 67">
+                        <a:extLst>
+                          <a:ext uri="{FF2B5EF4-FFF2-40B4-BE49-F238E27FC236}">
+                            <a16:creationId xmlns:a16="http://schemas.microsoft.com/office/drawing/2014/main" id="{2D4D1D43-4614-4E40-9811-80FD5306CF48}"/>
+                          </a:ext>
+                        </a:extLst>
+                      </p:cNvPr>
+                      <p:cNvSpPr txBox="1"/>
+                      <p:nvPr/>
+                    </p:nvSpPr>
+                    <p:spPr>
+                      <a:xfrm>
+                        <a:off x="3137492" y="2063692"/>
+                        <a:ext cx="1929455" cy="395745"/>
+                      </a:xfrm>
+                      <a:prstGeom prst="rect">
+                        <a:avLst/>
+                      </a:prstGeom>
+                      <a:noFill/>
+                    </p:spPr>
+                    <p:txBody>
+                      <a:bodyPr wrap="square" rtlCol="0">
+                        <a:spAutoFit/>
+                      </a:bodyPr>
+                      <a:lstStyle/>
+                      <a:p>
+                        <a:r>
+                          <a:rPr lang="en-US" altLang="ko-KR" sz="1200" dirty="0"/>
+                          <a:t>Object detection</a:t>
+                        </a:r>
+                      </a:p>
+                    </p:txBody>
+                  </p:sp>
+                  <p:cxnSp>
+                    <p:nvCxnSpPr>
+                      <p:cNvPr id="69" name="직선 화살표 연결선 68">
+                        <a:extLst>
+                          <a:ext uri="{FF2B5EF4-FFF2-40B4-BE49-F238E27FC236}">
+                            <a16:creationId xmlns:a16="http://schemas.microsoft.com/office/drawing/2014/main" id="{BBD45697-2CEC-4617-80D9-F1BB4F9192E0}"/>
+                          </a:ext>
+                        </a:extLst>
+                      </p:cNvPr>
+                      <p:cNvCxnSpPr>
+                        <a:cxnSpLocks/>
+                        <a:stCxn id="65" idx="2"/>
+                        <a:endCxn id="66" idx="0"/>
+                      </p:cNvCxnSpPr>
+                      <p:nvPr/>
+                    </p:nvCxnSpPr>
+                    <p:spPr>
+                      <a:xfrm flipH="1">
+                        <a:off x="3143075" y="4026715"/>
+                        <a:ext cx="959144" cy="873851"/>
+                      </a:xfrm>
+                      <a:prstGeom prst="straightConnector1">
+                        <a:avLst/>
+                      </a:prstGeom>
+                      <a:ln>
+                        <a:tailEnd type="triangle"/>
+                      </a:ln>
+                    </p:spPr>
+                    <p:style>
+                      <a:lnRef idx="1">
+                        <a:schemeClr val="accent1"/>
+                      </a:lnRef>
+                      <a:fillRef idx="0">
+                        <a:schemeClr val="accent1"/>
+                      </a:fillRef>
+                      <a:effectRef idx="0">
+                        <a:schemeClr val="accent1"/>
+                      </a:effectRef>
+                      <a:fontRef idx="minor">
+                        <a:schemeClr val="tx1"/>
+                      </a:fontRef>
+                    </p:style>
+                  </p:cxnSp>
+                  <p:cxnSp>
+                    <p:nvCxnSpPr>
+                      <p:cNvPr id="70" name="직선 화살표 연결선 69">
+                        <a:extLst>
+                          <a:ext uri="{FF2B5EF4-FFF2-40B4-BE49-F238E27FC236}">
+                            <a16:creationId xmlns:a16="http://schemas.microsoft.com/office/drawing/2014/main" id="{88F7AC76-8CB6-4116-8D7C-B96881D39477}"/>
+                          </a:ext>
+                        </a:extLst>
+                      </p:cNvPr>
+                      <p:cNvCxnSpPr>
+                        <a:cxnSpLocks/>
+                        <a:stCxn id="65" idx="2"/>
+                        <a:endCxn id="67" idx="0"/>
+                      </p:cNvCxnSpPr>
+                      <p:nvPr/>
+                    </p:nvCxnSpPr>
+                    <p:spPr>
+                      <a:xfrm>
+                        <a:off x="4102219" y="4026715"/>
+                        <a:ext cx="904961" cy="873850"/>
+                      </a:xfrm>
+                      <a:prstGeom prst="straightConnector1">
+                        <a:avLst/>
+                      </a:prstGeom>
+                      <a:ln>
+                        <a:tailEnd type="triangle"/>
+                      </a:ln>
+                    </p:spPr>
+                    <p:style>
+                      <a:lnRef idx="1">
+                        <a:schemeClr val="accent1"/>
+                      </a:lnRef>
+                      <a:fillRef idx="0">
+                        <a:schemeClr val="accent1"/>
+                      </a:fillRef>
+                      <a:effectRef idx="0">
+                        <a:schemeClr val="accent1"/>
+                      </a:effectRef>
+                      <a:fontRef idx="minor">
+                        <a:schemeClr val="tx1"/>
+                      </a:fontRef>
+                    </p:style>
+                  </p:cxnSp>
+                </p:grpSp>
+                <p:sp>
+                  <p:nvSpPr>
+                    <p:cNvPr id="61" name="사각형: 둥근 모서리 60">
+                      <a:extLst>
+                        <a:ext uri="{FF2B5EF4-FFF2-40B4-BE49-F238E27FC236}">
+                          <a16:creationId xmlns:a16="http://schemas.microsoft.com/office/drawing/2014/main" id="{4F93C605-A976-4FFB-83E6-CA9B0357F239}"/>
+                        </a:ext>
+                      </a:extLst>
+                    </p:cNvPr>
+                    <p:cNvSpPr/>
+                    <p:nvPr/>
+                  </p:nvSpPr>
+                  <p:spPr>
+                    <a:xfrm>
+                      <a:off x="2309072" y="6045278"/>
+                      <a:ext cx="1634455" cy="562063"/>
+                    </a:xfrm>
+                    <a:prstGeom prst="roundRect">
+                      <a:avLst/>
+                    </a:prstGeom>
+                  </p:spPr>
+                  <p:style>
+                    <a:lnRef idx="2">
+                      <a:schemeClr val="accent1">
+                        <a:shade val="50000"/>
+                      </a:schemeClr>
+                    </a:lnRef>
+                    <a:fillRef idx="1">
+                      <a:schemeClr val="accent1"/>
+                    </a:fillRef>
+                    <a:effectRef idx="0">
+                      <a:schemeClr val="accent1"/>
+                    </a:effectRef>
+                    <a:fontRef idx="minor">
+                      <a:schemeClr val="lt1"/>
+                    </a:fontRef>
+                  </p:style>
+                  <p:txBody>
+                    <a:bodyPr rtlCol="0" anchor="ctr"/>
+                    <a:lstStyle/>
+                    <a:p>
+                      <a:pPr algn="ctr"/>
+                      <a:r>
+                        <a:rPr lang="en-US" altLang="ko-KR" dirty="0"/>
+                        <a:t>Location</a:t>
+                      </a:r>
+                      <a:endParaRPr lang="ko-KR" altLang="en-US" dirty="0"/>
+                    </a:p>
+                  </p:txBody>
+                </p:sp>
+                <p:sp>
+                  <p:nvSpPr>
+                    <p:cNvPr id="62" name="사각형: 둥근 모서리 61">
+                      <a:extLst>
+                        <a:ext uri="{FF2B5EF4-FFF2-40B4-BE49-F238E27FC236}">
+                          <a16:creationId xmlns:a16="http://schemas.microsoft.com/office/drawing/2014/main" id="{1AF52033-ACF1-4837-839F-150FED9CEA68}"/>
+                        </a:ext>
+                      </a:extLst>
+                    </p:cNvPr>
+                    <p:cNvSpPr/>
+                    <p:nvPr/>
+                  </p:nvSpPr>
+                  <p:spPr>
+                    <a:xfrm>
+                      <a:off x="4189951" y="6003088"/>
+                      <a:ext cx="1634455" cy="562063"/>
+                    </a:xfrm>
+                    <a:prstGeom prst="roundRect">
+                      <a:avLst/>
+                    </a:prstGeom>
+                  </p:spPr>
+                  <p:style>
+                    <a:lnRef idx="2">
+                      <a:schemeClr val="accent1">
+                        <a:shade val="50000"/>
+                      </a:schemeClr>
+                    </a:lnRef>
+                    <a:fillRef idx="1">
+                      <a:schemeClr val="accent1"/>
+                    </a:fillRef>
+                    <a:effectRef idx="0">
+                      <a:schemeClr val="accent1"/>
+                    </a:effectRef>
+                    <a:fontRef idx="minor">
+                      <a:schemeClr val="lt1"/>
+                    </a:fontRef>
+                  </p:style>
+                  <p:txBody>
+                    <a:bodyPr rtlCol="0" anchor="ctr"/>
+                    <a:lstStyle/>
+                    <a:p>
+                      <a:pPr algn="ctr"/>
+                      <a:r>
+                        <a:rPr lang="en-US" altLang="ko-KR" dirty="0"/>
+                        <a:t>Tag</a:t>
+                      </a:r>
+                      <a:endParaRPr lang="ko-KR" altLang="en-US" dirty="0"/>
+                    </a:p>
+                  </p:txBody>
+                </p:sp>
+              </p:grpSp>
+              <p:cxnSp>
+                <p:nvCxnSpPr>
+                  <p:cNvPr id="45" name="직선 화살표 연결선 44">
+                    <a:extLst>
+                      <a:ext uri="{FF2B5EF4-FFF2-40B4-BE49-F238E27FC236}">
+                        <a16:creationId xmlns:a16="http://schemas.microsoft.com/office/drawing/2014/main" id="{A6CAEF8A-C7CA-4BC8-9685-3D261A573E71}"/>
+                      </a:ext>
+                    </a:extLst>
+                  </p:cNvPr>
+                  <p:cNvCxnSpPr>
+                    <a:cxnSpLocks/>
+                    <a:stCxn id="66" idx="2"/>
+                    <a:endCxn id="61" idx="0"/>
+                  </p:cNvCxnSpPr>
+                  <p:nvPr/>
+                </p:nvCxnSpPr>
+                <p:spPr>
+                  <a:xfrm flipH="1">
+                    <a:off x="1165371" y="5086025"/>
+                    <a:ext cx="16775" cy="880923"/>
+                  </a:xfrm>
+                  <a:prstGeom prst="straightConnector1">
+                    <a:avLst/>
+                  </a:prstGeom>
+                  <a:ln>
+                    <a:tailEnd type="triangle"/>
+                  </a:ln>
+                </p:spPr>
+                <p:style>
+                  <a:lnRef idx="1">
+                    <a:schemeClr val="accent1"/>
+                  </a:lnRef>
+                  <a:fillRef idx="0">
+                    <a:schemeClr val="accent1"/>
+                  </a:fillRef>
+                  <a:effectRef idx="0">
+                    <a:schemeClr val="accent1"/>
+                  </a:effectRef>
+                  <a:fontRef idx="minor">
+                    <a:schemeClr val="tx1"/>
+                  </a:fontRef>
+                </p:style>
+              </p:cxnSp>
+              <p:cxnSp>
+                <p:nvCxnSpPr>
+                  <p:cNvPr id="46" name="직선 화살표 연결선 45">
+                    <a:extLst>
+                      <a:ext uri="{FF2B5EF4-FFF2-40B4-BE49-F238E27FC236}">
+                        <a16:creationId xmlns:a16="http://schemas.microsoft.com/office/drawing/2014/main" id="{CBBD7559-BA27-4E0D-8B6E-40CDAEAFE607}"/>
+                      </a:ext>
+                    </a:extLst>
+                  </p:cNvPr>
+                  <p:cNvCxnSpPr>
+                    <a:cxnSpLocks/>
+                    <a:stCxn id="67" idx="2"/>
+                    <a:endCxn id="62" idx="0"/>
+                  </p:cNvCxnSpPr>
+                  <p:nvPr/>
+                </p:nvCxnSpPr>
+                <p:spPr>
+                  <a:xfrm flipH="1">
+                    <a:off x="3046250" y="5086024"/>
+                    <a:ext cx="1" cy="838734"/>
+                  </a:xfrm>
+                  <a:prstGeom prst="straightConnector1">
+                    <a:avLst/>
+                  </a:prstGeom>
+                  <a:ln>
+                    <a:tailEnd type="triangle"/>
+                  </a:ln>
+                </p:spPr>
+                <p:style>
+                  <a:lnRef idx="1">
+                    <a:schemeClr val="accent1"/>
+                  </a:lnRef>
+                  <a:fillRef idx="0">
+                    <a:schemeClr val="accent1"/>
+                  </a:fillRef>
+                  <a:effectRef idx="0">
+                    <a:schemeClr val="accent1"/>
+                  </a:effectRef>
+                  <a:fontRef idx="minor">
+                    <a:schemeClr val="tx1"/>
+                  </a:fontRef>
+                </p:style>
+              </p:cxnSp>
+              <p:grpSp>
+                <p:nvGrpSpPr>
+                  <p:cNvPr id="47" name="그룹 46">
+                    <a:extLst>
+                      <a:ext uri="{FF2B5EF4-FFF2-40B4-BE49-F238E27FC236}">
+                        <a16:creationId xmlns:a16="http://schemas.microsoft.com/office/drawing/2014/main" id="{8997BEB6-8432-4548-91F2-E222356E6BB1}"/>
+                      </a:ext>
+                    </a:extLst>
+                  </p:cNvPr>
+                  <p:cNvGrpSpPr/>
+                  <p:nvPr/>
+                </p:nvGrpSpPr>
+                <p:grpSpPr>
+                  <a:xfrm>
+                    <a:off x="8559567" y="2914142"/>
+                    <a:ext cx="1824605" cy="1029714"/>
+                    <a:chOff x="2309072" y="2063692"/>
+                    <a:chExt cx="3586295" cy="4110605"/>
+                  </a:xfrm>
+                </p:grpSpPr>
+                <p:sp>
+                  <p:nvSpPr>
+                    <p:cNvPr id="58" name="사각형: 둥근 모서리 57">
+                      <a:extLst>
+                        <a:ext uri="{FF2B5EF4-FFF2-40B4-BE49-F238E27FC236}">
+                          <a16:creationId xmlns:a16="http://schemas.microsoft.com/office/drawing/2014/main" id="{66099E7A-8D0E-4C8D-8D5F-AD87F026FCE3}"/>
+                        </a:ext>
+                      </a:extLst>
+                    </p:cNvPr>
+                    <p:cNvSpPr/>
+                    <p:nvPr/>
+                  </p:nvSpPr>
+                  <p:spPr>
+                    <a:xfrm>
+                      <a:off x="2309072" y="2063692"/>
+                      <a:ext cx="3586294" cy="4110605"/>
+                    </a:xfrm>
+                    <a:prstGeom prst="roundRect">
+                      <a:avLst/>
+                    </a:prstGeom>
+                    <a:noFill/>
+                  </p:spPr>
+                  <p:style>
+                    <a:lnRef idx="2">
+                      <a:schemeClr val="accent1">
+                        <a:shade val="50000"/>
+                      </a:schemeClr>
+                    </a:lnRef>
+                    <a:fillRef idx="1">
+                      <a:schemeClr val="accent1"/>
+                    </a:fillRef>
+                    <a:effectRef idx="0">
+                      <a:schemeClr val="accent1"/>
+                    </a:effectRef>
+                    <a:fontRef idx="minor">
+                      <a:schemeClr val="lt1"/>
+                    </a:fontRef>
+                  </p:style>
+                  <p:txBody>
+                    <a:bodyPr rtlCol="0" anchor="ctr"/>
+                    <a:lstStyle/>
+                    <a:p>
+                      <a:pPr algn="ctr"/>
+                      <a:endParaRPr lang="en-US" altLang="ko-KR" dirty="0"/>
+                    </a:p>
+                  </p:txBody>
+                </p:sp>
+                <p:sp>
+                  <p:nvSpPr>
+                    <p:cNvPr id="59" name="TextBox 58">
+                      <a:extLst>
+                        <a:ext uri="{FF2B5EF4-FFF2-40B4-BE49-F238E27FC236}">
+                          <a16:creationId xmlns:a16="http://schemas.microsoft.com/office/drawing/2014/main" id="{951F76BA-127A-4926-957B-E1CFC2E5FC9A}"/>
+                        </a:ext>
+                      </a:extLst>
+                    </p:cNvPr>
+                    <p:cNvSpPr txBox="1"/>
+                    <p:nvPr/>
+                  </p:nvSpPr>
+                  <p:spPr>
+                    <a:xfrm>
+                      <a:off x="2687590" y="3131824"/>
+                      <a:ext cx="3207777" cy="3042473"/>
+                    </a:xfrm>
+                    <a:prstGeom prst="rect">
+                      <a:avLst/>
+                    </a:prstGeom>
+                    <a:noFill/>
+                  </p:spPr>
+                  <p:txBody>
+                    <a:bodyPr wrap="square" rtlCol="0">
+                      <a:spAutoFit/>
+                    </a:bodyPr>
+                    <a:lstStyle/>
+                    <a:p>
+                      <a:r>
+                        <a:rPr lang="en-US" altLang="ko-KR" sz="1600" dirty="0" err="1"/>
+                        <a:t>FeatureDB</a:t>
+                      </a:r>
+                      <a:endParaRPr lang="en-US" altLang="ko-KR" sz="1600" dirty="0"/>
+                    </a:p>
+                    <a:p>
+                      <a:endParaRPr lang="en-US" altLang="ko-KR" sz="1600" dirty="0"/>
+                    </a:p>
+                  </p:txBody>
+                </p:sp>
+              </p:grpSp>
+              <p:grpSp>
+                <p:nvGrpSpPr>
+                  <p:cNvPr id="48" name="그룹 47">
+                    <a:extLst>
+                      <a:ext uri="{FF2B5EF4-FFF2-40B4-BE49-F238E27FC236}">
+                        <a16:creationId xmlns:a16="http://schemas.microsoft.com/office/drawing/2014/main" id="{52352DCD-9910-4C04-A8C4-B1112AC0F261}"/>
+                      </a:ext>
+                    </a:extLst>
+                  </p:cNvPr>
+                  <p:cNvGrpSpPr/>
+                  <p:nvPr/>
+                </p:nvGrpSpPr>
+                <p:grpSpPr>
+                  <a:xfrm>
+                    <a:off x="4150101" y="2081868"/>
+                    <a:ext cx="3586294" cy="3749879"/>
+                    <a:chOff x="2309072" y="2063692"/>
+                    <a:chExt cx="3586294" cy="4110605"/>
+                  </a:xfrm>
+                </p:grpSpPr>
+                <p:sp>
+                  <p:nvSpPr>
+                    <p:cNvPr id="53" name="사각형: 둥근 모서리 52">
+                      <a:extLst>
+                        <a:ext uri="{FF2B5EF4-FFF2-40B4-BE49-F238E27FC236}">
+                          <a16:creationId xmlns:a16="http://schemas.microsoft.com/office/drawing/2014/main" id="{E05F6887-25AA-414E-8CE8-B069F4C47784}"/>
+                        </a:ext>
+                      </a:extLst>
+                    </p:cNvPr>
+                    <p:cNvSpPr/>
+                    <p:nvPr/>
+                  </p:nvSpPr>
+                  <p:spPr>
+                    <a:xfrm>
+                      <a:off x="2309072" y="2063692"/>
+                      <a:ext cx="3586294" cy="4110605"/>
+                    </a:xfrm>
+                    <a:prstGeom prst="roundRect">
+                      <a:avLst/>
+                    </a:prstGeom>
+                    <a:noFill/>
+                  </p:spPr>
+                  <p:style>
+                    <a:lnRef idx="2">
+                      <a:schemeClr val="accent1">
+                        <a:shade val="50000"/>
+                      </a:schemeClr>
+                    </a:lnRef>
+                    <a:fillRef idx="1">
+                      <a:schemeClr val="accent1"/>
+                    </a:fillRef>
+                    <a:effectRef idx="0">
+                      <a:schemeClr val="accent1"/>
+                    </a:effectRef>
+                    <a:fontRef idx="minor">
+                      <a:schemeClr val="lt1"/>
+                    </a:fontRef>
+                  </p:style>
+                  <p:txBody>
+                    <a:bodyPr rtlCol="0" anchor="ctr"/>
+                    <a:lstStyle/>
+                    <a:p>
+                      <a:pPr algn="ctr"/>
+                      <a:endParaRPr lang="en-US" altLang="ko-KR" dirty="0"/>
+                    </a:p>
+                  </p:txBody>
+                </p:sp>
+                <p:sp>
+                  <p:nvSpPr>
+                    <p:cNvPr id="54" name="사각형: 둥근 모서리 53">
+                      <a:extLst>
+                        <a:ext uri="{FF2B5EF4-FFF2-40B4-BE49-F238E27FC236}">
+                          <a16:creationId xmlns:a16="http://schemas.microsoft.com/office/drawing/2014/main" id="{3C98159A-5245-4DD6-ADD6-17E2DACD5F77}"/>
+                        </a:ext>
+                      </a:extLst>
+                    </p:cNvPr>
+                    <p:cNvSpPr/>
+                    <p:nvPr/>
+                  </p:nvSpPr>
+                  <p:spPr>
+                    <a:xfrm>
+                      <a:off x="3224522" y="3358863"/>
+                      <a:ext cx="1634454" cy="562063"/>
+                    </a:xfrm>
+                    <a:prstGeom prst="roundRect">
+                      <a:avLst/>
+                    </a:prstGeom>
+                  </p:spPr>
+                  <p:style>
+                    <a:lnRef idx="2">
+                      <a:schemeClr val="accent1">
+                        <a:shade val="50000"/>
+                      </a:schemeClr>
+                    </a:lnRef>
+                    <a:fillRef idx="1">
+                      <a:schemeClr val="accent1"/>
+                    </a:fillRef>
+                    <a:effectRef idx="0">
+                      <a:schemeClr val="accent1"/>
+                    </a:effectRef>
+                    <a:fontRef idx="minor">
+                      <a:schemeClr val="lt1"/>
+                    </a:fontRef>
+                  </p:style>
+                  <p:txBody>
+                    <a:bodyPr rtlCol="0" anchor="ctr"/>
+                    <a:lstStyle/>
+                    <a:p>
+                      <a:pPr algn="ctr"/>
+                      <a:r>
+                        <a:rPr lang="en-US" altLang="ko-KR" sz="1100" dirty="0"/>
+                        <a:t>Dimensionality Reduction</a:t>
+                      </a:r>
+                      <a:endParaRPr lang="ko-KR" altLang="en-US" sz="1100" dirty="0"/>
+                    </a:p>
+                  </p:txBody>
+                </p:sp>
+                <p:sp>
+                  <p:nvSpPr>
+                    <p:cNvPr id="55" name="사각형: 둥근 모서리 54">
+                      <a:extLst>
+                        <a:ext uri="{FF2B5EF4-FFF2-40B4-BE49-F238E27FC236}">
+                          <a16:creationId xmlns:a16="http://schemas.microsoft.com/office/drawing/2014/main" id="{136CB25E-01EB-44DF-8972-94FD6E026988}"/>
+                        </a:ext>
+                      </a:extLst>
+                    </p:cNvPr>
+                    <p:cNvSpPr/>
+                    <p:nvPr/>
+                  </p:nvSpPr>
+                  <p:spPr>
+                    <a:xfrm>
+                      <a:off x="3214032" y="5399513"/>
+                      <a:ext cx="1634455" cy="562063"/>
+                    </a:xfrm>
+                    <a:prstGeom prst="roundRect">
+                      <a:avLst/>
+                    </a:prstGeom>
+                  </p:spPr>
+                  <p:style>
+                    <a:lnRef idx="2">
+                      <a:schemeClr val="accent1">
+                        <a:shade val="50000"/>
+                      </a:schemeClr>
+                    </a:lnRef>
+                    <a:fillRef idx="1">
+                      <a:schemeClr val="accent1"/>
+                    </a:fillRef>
+                    <a:effectRef idx="0">
+                      <a:schemeClr val="accent1"/>
+                    </a:effectRef>
+                    <a:fontRef idx="minor">
+                      <a:schemeClr val="lt1"/>
+                    </a:fontRef>
+                  </p:style>
+                  <p:txBody>
+                    <a:bodyPr rtlCol="0" anchor="ctr"/>
+                    <a:lstStyle/>
+                    <a:p>
+                      <a:pPr algn="ctr"/>
+                      <a:r>
+                        <a:rPr lang="en-US" altLang="ko-KR" sz="1400" dirty="0"/>
+                        <a:t>Calculator</a:t>
+                      </a:r>
+                      <a:endParaRPr lang="ko-KR" altLang="en-US" sz="1400" dirty="0"/>
+                    </a:p>
+                  </p:txBody>
+                </p:sp>
+                <p:sp>
+                  <p:nvSpPr>
+                    <p:cNvPr id="56" name="TextBox 55">
+                      <a:extLst>
+                        <a:ext uri="{FF2B5EF4-FFF2-40B4-BE49-F238E27FC236}">
+                          <a16:creationId xmlns:a16="http://schemas.microsoft.com/office/drawing/2014/main" id="{5D9B515C-06BD-4A4C-B29F-7A14A3F9EF53}"/>
+                        </a:ext>
+                      </a:extLst>
+                    </p:cNvPr>
+                    <p:cNvSpPr txBox="1"/>
+                    <p:nvPr/>
+                  </p:nvSpPr>
+                  <p:spPr>
+                    <a:xfrm>
+                      <a:off x="2927757" y="2063692"/>
+                      <a:ext cx="2567033" cy="439717"/>
+                    </a:xfrm>
+                    <a:prstGeom prst="rect">
+                      <a:avLst/>
+                    </a:prstGeom>
+                    <a:noFill/>
+                  </p:spPr>
+                  <p:txBody>
+                    <a:bodyPr wrap="square" rtlCol="0">
+                      <a:spAutoFit/>
+                    </a:bodyPr>
+                    <a:lstStyle/>
+                    <a:p>
+                      <a:r>
+                        <a:rPr lang="en-US" altLang="ko-KR" sz="1400" dirty="0"/>
+                        <a:t>Similarity Calculator</a:t>
+                      </a:r>
+                    </a:p>
+                  </p:txBody>
+                </p:sp>
+                <p:cxnSp>
+                  <p:nvCxnSpPr>
+                    <p:cNvPr id="57" name="직선 화살표 연결선 56">
+                      <a:extLst>
+                        <a:ext uri="{FF2B5EF4-FFF2-40B4-BE49-F238E27FC236}">
+                          <a16:creationId xmlns:a16="http://schemas.microsoft.com/office/drawing/2014/main" id="{A4A8B854-6C73-4C43-852E-2D17950C92BD}"/>
+                        </a:ext>
+                      </a:extLst>
+                    </p:cNvPr>
+                    <p:cNvCxnSpPr>
+                      <a:cxnSpLocks/>
+                      <a:stCxn id="54" idx="2"/>
+                      <a:endCxn id="55" idx="0"/>
+                    </p:cNvCxnSpPr>
+                    <p:nvPr/>
+                  </p:nvCxnSpPr>
+                  <p:spPr>
+                    <a:xfrm flipH="1">
+                      <a:off x="4031260" y="3920925"/>
+                      <a:ext cx="10489" cy="1478587"/>
+                    </a:xfrm>
+                    <a:prstGeom prst="straightConnector1">
+                      <a:avLst/>
+                    </a:prstGeom>
+                    <a:ln>
+                      <a:tailEnd type="triangle"/>
+                    </a:ln>
+                  </p:spPr>
+                  <p:style>
+                    <a:lnRef idx="1">
+                      <a:schemeClr val="accent1"/>
+                    </a:lnRef>
+                    <a:fillRef idx="0">
+                      <a:schemeClr val="accent1"/>
+                    </a:fillRef>
+                    <a:effectRef idx="0">
+                      <a:schemeClr val="accent1"/>
+                    </a:effectRef>
+                    <a:fontRef idx="minor">
+                      <a:schemeClr val="tx1"/>
+                    </a:fontRef>
+                  </p:style>
+                </p:cxnSp>
+              </p:grpSp>
+              <p:cxnSp>
+                <p:nvCxnSpPr>
+                  <p:cNvPr id="49" name="직선 화살표 연결선 48">
+                    <a:extLst>
+                      <a:ext uri="{FF2B5EF4-FFF2-40B4-BE49-F238E27FC236}">
+                        <a16:creationId xmlns:a16="http://schemas.microsoft.com/office/drawing/2014/main" id="{41D53CFC-9E5F-48B9-BCAC-6AA53FC8323C}"/>
+                      </a:ext>
+                    </a:extLst>
+                  </p:cNvPr>
+                  <p:cNvCxnSpPr>
+                    <a:cxnSpLocks/>
+                    <a:stCxn id="58" idx="2"/>
+                    <a:endCxn id="55" idx="0"/>
+                  </p:cNvCxnSpPr>
+                  <p:nvPr/>
+                </p:nvCxnSpPr>
+                <p:spPr>
+                  <a:xfrm flipH="1">
+                    <a:off x="5872289" y="3943857"/>
+                    <a:ext cx="3599581" cy="1181097"/>
+                  </a:xfrm>
+                  <a:prstGeom prst="straightConnector1">
+                    <a:avLst/>
+                  </a:prstGeom>
+                  <a:ln>
+                    <a:tailEnd type="triangle"/>
+                  </a:ln>
+                </p:spPr>
+                <p:style>
+                  <a:lnRef idx="1">
+                    <a:schemeClr val="accent1"/>
+                  </a:lnRef>
+                  <a:fillRef idx="0">
+                    <a:schemeClr val="accent1"/>
+                  </a:fillRef>
+                  <a:effectRef idx="0">
+                    <a:schemeClr val="accent1"/>
+                  </a:effectRef>
+                  <a:fontRef idx="minor">
+                    <a:schemeClr val="tx1"/>
+                  </a:fontRef>
+                </p:style>
+              </p:cxnSp>
+              <p:sp>
+                <p:nvSpPr>
+                  <p:cNvPr id="50" name="TextBox 49">
+                    <a:extLst>
+                      <a:ext uri="{FF2B5EF4-FFF2-40B4-BE49-F238E27FC236}">
+                        <a16:creationId xmlns:a16="http://schemas.microsoft.com/office/drawing/2014/main" id="{B2D57BE8-E808-4C58-9141-5198F850DF7A}"/>
+                      </a:ext>
+                    </a:extLst>
+                  </p:cNvPr>
+                  <p:cNvSpPr txBox="1"/>
+                  <p:nvPr/>
+                </p:nvSpPr>
+                <p:spPr>
+                  <a:xfrm>
+                    <a:off x="5186491" y="4304438"/>
+                    <a:ext cx="1513516" cy="340960"/>
+                  </a:xfrm>
+                  <a:prstGeom prst="rect">
+                    <a:avLst/>
+                  </a:prstGeom>
+                  <a:noFill/>
+                </p:spPr>
+                <p:txBody>
+                  <a:bodyPr wrap="square" rtlCol="0">
+                    <a:spAutoFit/>
+                  </a:bodyPr>
+                  <a:lstStyle/>
+                  <a:p>
+                    <a:r>
+                      <a:rPr lang="en-US" altLang="ko-KR" sz="1100" dirty="0" err="1"/>
+                      <a:t>reduced_vector</a:t>
+                    </a:r>
+                    <a:endParaRPr lang="ko-KR" altLang="en-US" sz="1100" dirty="0"/>
+                  </a:p>
+                </p:txBody>
+              </p:sp>
+              <p:sp>
+                <p:nvSpPr>
+                  <p:cNvPr id="51" name="TextBox 50">
+                    <a:extLst>
+                      <a:ext uri="{FF2B5EF4-FFF2-40B4-BE49-F238E27FC236}">
+                        <a16:creationId xmlns:a16="http://schemas.microsoft.com/office/drawing/2014/main" id="{5DD9B315-F1FE-45A2-80D3-488C0C9B8761}"/>
+                      </a:ext>
+                    </a:extLst>
+                  </p:cNvPr>
+                  <p:cNvSpPr txBox="1"/>
+                  <p:nvPr/>
+                </p:nvSpPr>
+                <p:spPr>
+                  <a:xfrm>
+                    <a:off x="6915322" y="4304439"/>
+                    <a:ext cx="1513515" cy="340960"/>
+                  </a:xfrm>
+                  <a:prstGeom prst="rect">
+                    <a:avLst/>
+                  </a:prstGeom>
+                  <a:noFill/>
+                </p:spPr>
+                <p:txBody>
+                  <a:bodyPr wrap="square" rtlCol="0">
+                    <a:spAutoFit/>
+                  </a:bodyPr>
+                  <a:lstStyle/>
+                  <a:p>
+                    <a:r>
+                      <a:rPr lang="en-US" altLang="ko-KR" sz="1100" dirty="0" err="1"/>
+                      <a:t>reduced_vector</a:t>
+                    </a:r>
+                    <a:endParaRPr lang="ko-KR" altLang="en-US" sz="1100" dirty="0"/>
+                  </a:p>
+                </p:txBody>
+              </p:sp>
+              <p:cxnSp>
+                <p:nvCxnSpPr>
+                  <p:cNvPr id="52" name="직선 화살표 연결선 51">
+                    <a:extLst>
+                      <a:ext uri="{FF2B5EF4-FFF2-40B4-BE49-F238E27FC236}">
+                        <a16:creationId xmlns:a16="http://schemas.microsoft.com/office/drawing/2014/main" id="{981B4AF3-07C8-4BE7-AF8F-BFE7CABB1185}"/>
+                      </a:ext>
+                    </a:extLst>
+                  </p:cNvPr>
+                  <p:cNvCxnSpPr>
+                    <a:cxnSpLocks/>
+                    <a:stCxn id="65" idx="3"/>
+                    <a:endCxn id="54" idx="1"/>
+                  </p:cNvCxnSpPr>
+                  <p:nvPr/>
+                </p:nvCxnSpPr>
+                <p:spPr>
+                  <a:xfrm>
+                    <a:off x="2673991" y="3519751"/>
+                    <a:ext cx="2391560" cy="0"/>
+                  </a:xfrm>
+                  <a:prstGeom prst="straightConnector1">
+                    <a:avLst/>
+                  </a:prstGeom>
+                  <a:ln>
+                    <a:tailEnd type="triangle"/>
+                  </a:ln>
+                </p:spPr>
+                <p:style>
+                  <a:lnRef idx="1">
+                    <a:schemeClr val="accent1"/>
+                  </a:lnRef>
+                  <a:fillRef idx="0">
+                    <a:schemeClr val="accent1"/>
+                  </a:fillRef>
+                  <a:effectRef idx="0">
+                    <a:schemeClr val="accent1"/>
+                  </a:effectRef>
+                  <a:fontRef idx="minor">
+                    <a:schemeClr val="tx1"/>
+                  </a:fontRef>
+                </p:style>
+              </p:cxnSp>
+            </p:grpSp>
+            <p:pic>
+              <p:nvPicPr>
+                <p:cNvPr id="7" name="그림 6">
+                  <a:extLst>
+                    <a:ext uri="{FF2B5EF4-FFF2-40B4-BE49-F238E27FC236}">
+                      <a16:creationId xmlns:a16="http://schemas.microsoft.com/office/drawing/2014/main" id="{0589B234-0F10-460F-8094-F14EA87B4C6A}"/>
+                    </a:ext>
+                  </a:extLst>
+                </p:cNvPr>
+                <p:cNvPicPr>
+                  <a:picLocks noChangeAspect="1"/>
+                </p:cNvPicPr>
+                <p:nvPr/>
+              </p:nvPicPr>
+              <p:blipFill>
+                <a:blip r:embed="rId3"/>
+                <a:stretch>
+                  <a:fillRect/>
+                </a:stretch>
+              </p:blipFill>
+              <p:spPr>
+                <a:xfrm>
+                  <a:off x="1697388" y="2368964"/>
+                  <a:ext cx="699896" cy="699896"/>
+                </a:xfrm>
+                <a:prstGeom prst="rect">
+                  <a:avLst/>
+                </a:prstGeom>
+              </p:spPr>
+            </p:pic>
+            <p:pic>
+              <p:nvPicPr>
+                <p:cNvPr id="72" name="그림 71">
+                  <a:extLst>
+                    <a:ext uri="{FF2B5EF4-FFF2-40B4-BE49-F238E27FC236}">
+                      <a16:creationId xmlns:a16="http://schemas.microsoft.com/office/drawing/2014/main" id="{090C5AD6-E9BB-45DE-A3AA-CF8667EC01E4}"/>
+                    </a:ext>
+                  </a:extLst>
+                </p:cNvPr>
+                <p:cNvPicPr>
+                  <a:picLocks noChangeAspect="1"/>
+                </p:cNvPicPr>
+                <p:nvPr/>
+              </p:nvPicPr>
+              <p:blipFill>
+                <a:blip r:embed="rId4"/>
+                <a:stretch>
+                  <a:fillRect/>
+                </a:stretch>
+              </p:blipFill>
+              <p:spPr>
+                <a:xfrm>
+                  <a:off x="3494598" y="5735688"/>
+                  <a:ext cx="996872" cy="837373"/>
+                </a:xfrm>
+                <a:prstGeom prst="rect">
+                  <a:avLst/>
+                </a:prstGeom>
+              </p:spPr>
+            </p:pic>
+            <p:pic>
+              <p:nvPicPr>
+                <p:cNvPr id="80" name="그림 79">
+                  <a:extLst>
+                    <a:ext uri="{FF2B5EF4-FFF2-40B4-BE49-F238E27FC236}">
+                      <a16:creationId xmlns:a16="http://schemas.microsoft.com/office/drawing/2014/main" id="{A302C851-CCC6-475B-9F97-873511158741}"/>
+                    </a:ext>
+                  </a:extLst>
+                </p:cNvPr>
+                <p:cNvPicPr>
+                  <a:picLocks noChangeAspect="1"/>
+                </p:cNvPicPr>
+                <p:nvPr/>
+              </p:nvPicPr>
+              <p:blipFill>
+                <a:blip r:embed="rId5"/>
+                <a:stretch>
+                  <a:fillRect/>
+                </a:stretch>
+              </p:blipFill>
+              <p:spPr>
+                <a:xfrm>
+                  <a:off x="6448509" y="2843719"/>
+                  <a:ext cx="2577368" cy="945823"/>
+                </a:xfrm>
+                <a:prstGeom prst="rect">
+                  <a:avLst/>
+                </a:prstGeom>
+              </p:spPr>
+            </p:pic>
+            <p:pic>
+              <p:nvPicPr>
+                <p:cNvPr id="82" name="그림 81">
+                  <a:extLst>
+                    <a:ext uri="{FF2B5EF4-FFF2-40B4-BE49-F238E27FC236}">
+                      <a16:creationId xmlns:a16="http://schemas.microsoft.com/office/drawing/2014/main" id="{D0A7B5A3-4861-4988-B720-24C1B8BB82A5}"/>
+                    </a:ext>
+                  </a:extLst>
+                </p:cNvPr>
+                <p:cNvPicPr>
+                  <a:picLocks noChangeAspect="1"/>
+                </p:cNvPicPr>
+                <p:nvPr/>
+              </p:nvPicPr>
+              <p:blipFill>
+                <a:blip r:embed="rId6"/>
+                <a:stretch>
+                  <a:fillRect/>
+                </a:stretch>
+              </p:blipFill>
+              <p:spPr>
+                <a:xfrm>
+                  <a:off x="6355353" y="5670450"/>
+                  <a:ext cx="2534432" cy="829310"/>
+                </a:xfrm>
+                <a:prstGeom prst="rect">
+                  <a:avLst/>
+                </a:prstGeom>
+              </p:spPr>
+            </p:pic>
+          </p:grpSp>
         </p:grpSp>
         <p:cxnSp>
           <p:nvCxnSpPr>
-            <p:cNvPr id="49" name="직선 화살표 연결선 48">
+            <p:cNvPr id="84" name="연결선: 꺾임 83">
               <a:extLst>
                 <a:ext uri="{FF2B5EF4-FFF2-40B4-BE49-F238E27FC236}">
-                  <a16:creationId xmlns:a16="http://schemas.microsoft.com/office/drawing/2014/main" id="{41D53CFC-9E5F-48B9-BCAC-6AA53FC8323C}"/>
+                  <a16:creationId xmlns:a16="http://schemas.microsoft.com/office/drawing/2014/main" id="{D691712A-C76E-4043-B999-7AC6AA13E189}"/>
                 </a:ext>
               </a:extLst>
             </p:cNvPr>
             <p:cNvCxnSpPr>
-              <a:cxnSpLocks/>
-              <a:stCxn id="58" idx="2"/>
-              <a:endCxn id="55" idx="0"/>
+              <a:stCxn id="55" idx="2"/>
+              <a:endCxn id="82" idx="1"/>
             </p:cNvCxnSpPr>
             <p:nvPr/>
           </p:nvCxnSpPr>
           <p:spPr>
-            <a:xfrm flipH="1">
-              <a:off x="5872289" y="3943857"/>
-              <a:ext cx="3599581" cy="1181097"/>
+            <a:xfrm rot="16200000" flipH="1">
+              <a:off x="5200944" y="5058669"/>
+              <a:ext cx="631481" cy="1478947"/>
             </a:xfrm>
-            <a:prstGeom prst="straightConnector1">
-              <a:avLst/>
-            </a:prstGeom>
-            <a:ln>
-              <a:tailEnd type="triangle"/>
-            </a:ln>
-          </p:spPr>
-          <p:style>
-            <a:lnRef idx="1">
-              <a:schemeClr val="accent1"/>
-            </a:lnRef>
-            <a:fillRef idx="0">
-              <a:schemeClr val="accent1"/>
-            </a:fillRef>
-            <a:effectRef idx="0">
-              <a:schemeClr val="accent1"/>
-            </a:effectRef>
-            <a:fontRef idx="minor">
-              <a:schemeClr val="tx1"/>
-            </a:fontRef>
-          </p:style>
-        </p:cxnSp>
-        <p:sp>
-          <p:nvSpPr>
-            <p:cNvPr id="50" name="TextBox 49">
-              <a:extLst>
-                <a:ext uri="{FF2B5EF4-FFF2-40B4-BE49-F238E27FC236}">
-                  <a16:creationId xmlns:a16="http://schemas.microsoft.com/office/drawing/2014/main" id="{B2D57BE8-E808-4C58-9141-5198F850DF7A}"/>
-                </a:ext>
-              </a:extLst>
-            </p:cNvPr>
-            <p:cNvSpPr txBox="1"/>
-            <p:nvPr/>
-          </p:nvSpPr>
-          <p:spPr>
-            <a:xfrm>
-              <a:off x="5186491" y="4304438"/>
-              <a:ext cx="1513516" cy="340960"/>
-            </a:xfrm>
-            <a:prstGeom prst="rect">
-              <a:avLst/>
-            </a:prstGeom>
-            <a:noFill/>
-          </p:spPr>
-          <p:txBody>
-            <a:bodyPr wrap="square" rtlCol="0">
-              <a:spAutoFit/>
-            </a:bodyPr>
-            <a:lstStyle/>
-            <a:p>
-              <a:r>
-                <a:rPr lang="en-US" altLang="ko-KR" sz="1100" dirty="0" err="1"/>
-                <a:t>reduced_vector</a:t>
-              </a:r>
-              <a:endParaRPr lang="ko-KR" altLang="en-US" sz="1100" dirty="0"/>
-            </a:p>
-          </p:txBody>
-        </p:sp>
-        <p:sp>
-          <p:nvSpPr>
-            <p:cNvPr id="51" name="TextBox 50">
-              <a:extLst>
-                <a:ext uri="{FF2B5EF4-FFF2-40B4-BE49-F238E27FC236}">
-                  <a16:creationId xmlns:a16="http://schemas.microsoft.com/office/drawing/2014/main" id="{5DD9B315-F1FE-45A2-80D3-488C0C9B8761}"/>
-                </a:ext>
-              </a:extLst>
-            </p:cNvPr>
-            <p:cNvSpPr txBox="1"/>
-            <p:nvPr/>
-          </p:nvSpPr>
-          <p:spPr>
-            <a:xfrm>
-              <a:off x="6915322" y="4304439"/>
-              <a:ext cx="1513515" cy="340960"/>
-            </a:xfrm>
-            <a:prstGeom prst="rect">
-              <a:avLst/>
-            </a:prstGeom>
-            <a:noFill/>
-          </p:spPr>
-          <p:txBody>
-            <a:bodyPr wrap="square" rtlCol="0">
-              <a:spAutoFit/>
-            </a:bodyPr>
-            <a:lstStyle/>
-            <a:p>
-              <a:r>
-                <a:rPr lang="en-US" altLang="ko-KR" sz="1100" dirty="0" err="1"/>
-                <a:t>reduced_vector</a:t>
-              </a:r>
-              <a:endParaRPr lang="ko-KR" altLang="en-US" sz="1100" dirty="0"/>
-            </a:p>
-          </p:txBody>
-        </p:sp>
-        <p:cxnSp>
-          <p:nvCxnSpPr>
-            <p:cNvPr id="52" name="직선 화살표 연결선 51">
-              <a:extLst>
-                <a:ext uri="{FF2B5EF4-FFF2-40B4-BE49-F238E27FC236}">
-                  <a16:creationId xmlns:a16="http://schemas.microsoft.com/office/drawing/2014/main" id="{981B4AF3-07C8-4BE7-AF8F-BFE7CABB1185}"/>
-                </a:ext>
-              </a:extLst>
-            </p:cNvPr>
-            <p:cNvCxnSpPr>
-              <a:cxnSpLocks/>
-              <a:stCxn id="65" idx="3"/>
-              <a:endCxn id="54" idx="1"/>
-            </p:cNvCxnSpPr>
-            <p:nvPr/>
-          </p:nvCxnSpPr>
-          <p:spPr>
-            <a:xfrm>
-              <a:off x="2673991" y="3519751"/>
-              <a:ext cx="2391560" cy="0"/>
-            </a:xfrm>
-            <a:prstGeom prst="straightConnector1">
+            <a:prstGeom prst="bentConnector2">
               <a:avLst/>
             </a:prstGeom>
             <a:ln>
@@ -10486,250 +10794,6 @@
           </p:style>
         </p:cxnSp>
       </p:grpSp>
-      <p:pic>
-        <p:nvPicPr>
-          <p:cNvPr id="7" name="그림 6">
-            <a:extLst>
-              <a:ext uri="{FF2B5EF4-FFF2-40B4-BE49-F238E27FC236}">
-                <a16:creationId xmlns:a16="http://schemas.microsoft.com/office/drawing/2014/main" id="{0589B234-0F10-460F-8094-F14EA87B4C6A}"/>
-              </a:ext>
-            </a:extLst>
-          </p:cNvPr>
-          <p:cNvPicPr>
-            <a:picLocks noChangeAspect="1"/>
-          </p:cNvPicPr>
-          <p:nvPr/>
-        </p:nvPicPr>
-        <p:blipFill>
-          <a:blip r:embed="rId3"/>
-          <a:stretch>
-            <a:fillRect/>
-          </a:stretch>
-        </p:blipFill>
-        <p:spPr>
-          <a:xfrm>
-            <a:off x="1697388" y="2368964"/>
-            <a:ext cx="699896" cy="699896"/>
-          </a:xfrm>
-          <a:prstGeom prst="rect">
-            <a:avLst/>
-          </a:prstGeom>
-        </p:spPr>
-      </p:pic>
-      <p:pic>
-        <p:nvPicPr>
-          <p:cNvPr id="72" name="그림 71">
-            <a:extLst>
-              <a:ext uri="{FF2B5EF4-FFF2-40B4-BE49-F238E27FC236}">
-                <a16:creationId xmlns:a16="http://schemas.microsoft.com/office/drawing/2014/main" id="{090C5AD6-E9BB-45DE-A3AA-CF8667EC01E4}"/>
-              </a:ext>
-            </a:extLst>
-          </p:cNvPr>
-          <p:cNvPicPr>
-            <a:picLocks noChangeAspect="1"/>
-          </p:cNvPicPr>
-          <p:nvPr/>
-        </p:nvPicPr>
-        <p:blipFill>
-          <a:blip r:embed="rId4"/>
-          <a:stretch>
-            <a:fillRect/>
-          </a:stretch>
-        </p:blipFill>
-        <p:spPr>
-          <a:xfrm>
-            <a:off x="3494598" y="5735688"/>
-            <a:ext cx="996872" cy="837373"/>
-          </a:xfrm>
-          <a:prstGeom prst="rect">
-            <a:avLst/>
-          </a:prstGeom>
-        </p:spPr>
-      </p:pic>
-      <p:cxnSp>
-        <p:nvCxnSpPr>
-          <p:cNvPr id="76" name="연결선: 꺾임 75">
-            <a:extLst>
-              <a:ext uri="{FF2B5EF4-FFF2-40B4-BE49-F238E27FC236}">
-                <a16:creationId xmlns:a16="http://schemas.microsoft.com/office/drawing/2014/main" id="{8F499C22-3FCB-4CDE-B706-357BCAE6CB1F}"/>
-              </a:ext>
-            </a:extLst>
-          </p:cNvPr>
-          <p:cNvCxnSpPr>
-            <a:stCxn id="61" idx="2"/>
-          </p:cNvCxnSpPr>
-          <p:nvPr/>
-        </p:nvCxnSpPr>
-        <p:spPr>
-          <a:xfrm rot="16200000" flipH="1">
-            <a:off x="2324751" y="5070183"/>
-            <a:ext cx="291500" cy="2330790"/>
-          </a:xfrm>
-          <a:prstGeom prst="bentConnector2">
-            <a:avLst/>
-          </a:prstGeom>
-          <a:ln>
-            <a:tailEnd type="triangle"/>
-          </a:ln>
-        </p:spPr>
-        <p:style>
-          <a:lnRef idx="1">
-            <a:schemeClr val="accent1"/>
-          </a:lnRef>
-          <a:fillRef idx="0">
-            <a:schemeClr val="accent1"/>
-          </a:fillRef>
-          <a:effectRef idx="0">
-            <a:schemeClr val="accent1"/>
-          </a:effectRef>
-          <a:fontRef idx="minor">
-            <a:schemeClr val="tx1"/>
-          </a:fontRef>
-        </p:style>
-      </p:cxnSp>
-      <p:cxnSp>
-        <p:nvCxnSpPr>
-          <p:cNvPr id="78" name="연결선: 꺾임 77">
-            <a:extLst>
-              <a:ext uri="{FF2B5EF4-FFF2-40B4-BE49-F238E27FC236}">
-                <a16:creationId xmlns:a16="http://schemas.microsoft.com/office/drawing/2014/main" id="{EA7859D7-9EBE-4CBB-B138-3DDBC6370035}"/>
-              </a:ext>
-            </a:extLst>
-          </p:cNvPr>
-          <p:cNvCxnSpPr>
-            <a:stCxn id="62" idx="2"/>
-          </p:cNvCxnSpPr>
-          <p:nvPr/>
-        </p:nvCxnSpPr>
-        <p:spPr>
-          <a:xfrm rot="16200000" flipH="1">
-            <a:off x="3026706" y="5772138"/>
-            <a:ext cx="318082" cy="900297"/>
-          </a:xfrm>
-          <a:prstGeom prst="bentConnector2">
-            <a:avLst/>
-          </a:prstGeom>
-          <a:ln>
-            <a:tailEnd type="triangle"/>
-          </a:ln>
-        </p:spPr>
-        <p:style>
-          <a:lnRef idx="1">
-            <a:schemeClr val="accent1"/>
-          </a:lnRef>
-          <a:fillRef idx="0">
-            <a:schemeClr val="accent1"/>
-          </a:fillRef>
-          <a:effectRef idx="0">
-            <a:schemeClr val="accent1"/>
-          </a:effectRef>
-          <a:fontRef idx="minor">
-            <a:schemeClr val="tx1"/>
-          </a:fontRef>
-        </p:style>
-      </p:cxnSp>
-      <p:pic>
-        <p:nvPicPr>
-          <p:cNvPr id="80" name="그림 79">
-            <a:extLst>
-              <a:ext uri="{FF2B5EF4-FFF2-40B4-BE49-F238E27FC236}">
-                <a16:creationId xmlns:a16="http://schemas.microsoft.com/office/drawing/2014/main" id="{A302C851-CCC6-475B-9F97-873511158741}"/>
-              </a:ext>
-            </a:extLst>
-          </p:cNvPr>
-          <p:cNvPicPr>
-            <a:picLocks noChangeAspect="1"/>
-          </p:cNvPicPr>
-          <p:nvPr/>
-        </p:nvPicPr>
-        <p:blipFill>
-          <a:blip r:embed="rId5"/>
-          <a:stretch>
-            <a:fillRect/>
-          </a:stretch>
-        </p:blipFill>
-        <p:spPr>
-          <a:xfrm>
-            <a:off x="6448509" y="2843719"/>
-            <a:ext cx="2577368" cy="945823"/>
-          </a:xfrm>
-          <a:prstGeom prst="rect">
-            <a:avLst/>
-          </a:prstGeom>
-        </p:spPr>
-      </p:pic>
-      <p:pic>
-        <p:nvPicPr>
-          <p:cNvPr id="82" name="그림 81">
-            <a:extLst>
-              <a:ext uri="{FF2B5EF4-FFF2-40B4-BE49-F238E27FC236}">
-                <a16:creationId xmlns:a16="http://schemas.microsoft.com/office/drawing/2014/main" id="{D0A7B5A3-4861-4988-B720-24C1B8BB82A5}"/>
-              </a:ext>
-            </a:extLst>
-          </p:cNvPr>
-          <p:cNvPicPr>
-            <a:picLocks noChangeAspect="1"/>
-          </p:cNvPicPr>
-          <p:nvPr/>
-        </p:nvPicPr>
-        <p:blipFill>
-          <a:blip r:embed="rId6"/>
-          <a:stretch>
-            <a:fillRect/>
-          </a:stretch>
-        </p:blipFill>
-        <p:spPr>
-          <a:xfrm>
-            <a:off x="6355353" y="5670450"/>
-            <a:ext cx="2534432" cy="829310"/>
-          </a:xfrm>
-          <a:prstGeom prst="rect">
-            <a:avLst/>
-          </a:prstGeom>
-        </p:spPr>
-      </p:pic>
-      <p:cxnSp>
-        <p:nvCxnSpPr>
-          <p:cNvPr id="84" name="연결선: 꺾임 83">
-            <a:extLst>
-              <a:ext uri="{FF2B5EF4-FFF2-40B4-BE49-F238E27FC236}">
-                <a16:creationId xmlns:a16="http://schemas.microsoft.com/office/drawing/2014/main" id="{D691712A-C76E-4043-B999-7AC6AA13E189}"/>
-              </a:ext>
-            </a:extLst>
-          </p:cNvPr>
-          <p:cNvCxnSpPr>
-            <a:stCxn id="55" idx="2"/>
-            <a:endCxn id="82" idx="1"/>
-          </p:cNvCxnSpPr>
-          <p:nvPr/>
-        </p:nvCxnSpPr>
-        <p:spPr>
-          <a:xfrm rot="16200000" flipH="1">
-            <a:off x="5341705" y="5071457"/>
-            <a:ext cx="556870" cy="1470425"/>
-          </a:xfrm>
-          <a:prstGeom prst="bentConnector2">
-            <a:avLst/>
-          </a:prstGeom>
-          <a:ln>
-            <a:tailEnd type="triangle"/>
-          </a:ln>
-        </p:spPr>
-        <p:style>
-          <a:lnRef idx="1">
-            <a:schemeClr val="accent1"/>
-          </a:lnRef>
-          <a:fillRef idx="0">
-            <a:schemeClr val="accent1"/>
-          </a:fillRef>
-          <a:effectRef idx="0">
-            <a:schemeClr val="accent1"/>
-          </a:effectRef>
-          <a:fontRef idx="minor">
-            <a:schemeClr val="tx1"/>
-          </a:fontRef>
-        </p:style>
-      </p:cxnSp>
     </p:spTree>
     <p:extLst>
       <p:ext uri="{BB962C8B-B14F-4D97-AF65-F5344CB8AC3E}">
@@ -12705,6 +12769,30 @@
 </file>
 
 <file path=customXml/item1.xml><?xml version="1.0" encoding="utf-8"?>
+<p:properties xmlns:p="http://schemas.microsoft.com/office/2006/metadata/properties" xmlns:xsi="http://www.w3.org/2001/XMLSchema-instance" xmlns:pc="http://schemas.microsoft.com/office/infopath/2007/PartnerControls">
+  <documentManagement/>
+</p:properties>
+</file>
+
+<file path=customXml/item2.xml><?xml version="1.0" encoding="utf-8"?>
+<Control xmlns="http://schemas.microsoft.com/VisualStudio/2011/storyboarding/control">
+  <Id Name="25bb4478-a45b-48d2-be07-a5568eabefbb" Revision="1" Stencil="System.MyShapes" StencilVersion="1.0"/>
+</Control>
+</file>
+
+<file path=customXml/item3.xml><?xml version="1.0" encoding="utf-8"?>
+<Control xmlns="http://schemas.microsoft.com/VisualStudio/2011/storyboarding/control">
+  <Id Name="25bb4478-a45b-48d2-be07-a5568eabefbb" Revision="1" Stencil="System.MyShapes" StencilVersion="1.0"/>
+</Control>
+</file>
+
+<file path=customXml/item4.xml><?xml version="1.0" encoding="utf-8"?>
+<Control xmlns="http://schemas.microsoft.com/VisualStudio/2011/storyboarding/control">
+  <Id Name="25bb4478-a45b-48d2-be07-a5568eabefbb" Revision="1" Stencil="System.MyShapes" StencilVersion="1.0"/>
+</Control>
+</file>
+
+<file path=customXml/item5.xml><?xml version="1.0" encoding="utf-8"?>
 <ct:contentTypeSchema xmlns:ct="http://schemas.microsoft.com/office/2006/metadata/contentType" xmlns:ma="http://schemas.microsoft.com/office/2006/metadata/properties/metaAttributes" ct:_="" ma:_="" ma:contentTypeName="문서" ma:contentTypeID="0x0101007936768FB90E7A4985DB4E996F17E97E" ma:contentTypeVersion="8" ma:contentTypeDescription="새 문서를 만듭니다." ma:contentTypeScope="" ma:versionID="600640d311c6add58e97da0626f06e74">
   <xsd:schema xmlns:xsd="http://www.w3.org/2001/XMLSchema" xmlns:xs="http://www.w3.org/2001/XMLSchema" xmlns:p="http://schemas.microsoft.com/office/2006/metadata/properties" xmlns:ns3="57bc2cd6-cfd7-42e3-8135-9688bd54b490" targetNamespace="http://schemas.microsoft.com/office/2006/metadata/properties" ma:root="true" ma:fieldsID="c1e69de895f177a528112846ccf70984" ns3:_="">
     <xsd:import namespace="57bc2cd6-cfd7-42e3-8135-9688bd54b490"/>
@@ -12874,30 +12962,6 @@
 </ct:contentTypeSchema>
 </file>
 
-<file path=customXml/item2.xml><?xml version="1.0" encoding="utf-8"?>
-<Control xmlns="http://schemas.microsoft.com/VisualStudio/2011/storyboarding/control">
-  <Id Name="25bb4478-a45b-48d2-be07-a5568eabefbb" Revision="1" Stencil="System.MyShapes" StencilVersion="1.0"/>
-</Control>
-</file>
-
-<file path=customXml/item3.xml><?xml version="1.0" encoding="utf-8"?>
-<Control xmlns="http://schemas.microsoft.com/VisualStudio/2011/storyboarding/control">
-  <Id Name="25bb4478-a45b-48d2-be07-a5568eabefbb" Revision="1" Stencil="System.MyShapes" StencilVersion="1.0"/>
-</Control>
-</file>
-
-<file path=customXml/item4.xml><?xml version="1.0" encoding="utf-8"?>
-<Control xmlns="http://schemas.microsoft.com/VisualStudio/2011/storyboarding/control">
-  <Id Name="25bb4478-a45b-48d2-be07-a5568eabefbb" Revision="1" Stencil="System.MyShapes" StencilVersion="1.0"/>
-</Control>
-</file>
-
-<file path=customXml/item5.xml><?xml version="1.0" encoding="utf-8"?>
-<p:properties xmlns:p="http://schemas.microsoft.com/office/2006/metadata/properties" xmlns:xsi="http://www.w3.org/2001/XMLSchema-instance" xmlns:pc="http://schemas.microsoft.com/office/infopath/2007/PartnerControls">
-  <documentManagement/>
-</p:properties>
-</file>
-
 <file path=customXml/item6.xml><?xml version="1.0" encoding="utf-8"?>
 <?mso-contentType ?>
 <FormTemplates xmlns="http://schemas.microsoft.com/sharepoint/v3/contenttype/forms">
@@ -12908,6 +12972,46 @@
 </file>
 
 <file path=customXml/itemProps1.xml><?xml version="1.0" encoding="utf-8"?>
+<ds:datastoreItem xmlns:ds="http://schemas.openxmlformats.org/officeDocument/2006/customXml" ds:itemID="{3D09EFFD-B63B-4966-8171-9C7425D3869B}">
+  <ds:schemaRefs>
+    <ds:schemaRef ds:uri="57bc2cd6-cfd7-42e3-8135-9688bd54b490"/>
+    <ds:schemaRef ds:uri="http://purl.org/dc/dcmitype/"/>
+    <ds:schemaRef ds:uri="http://purl.org/dc/elements/1.1/"/>
+    <ds:schemaRef ds:uri="http://purl.org/dc/terms/"/>
+    <ds:schemaRef ds:uri="http://schemas.microsoft.com/office/2006/documentManagement/types"/>
+    <ds:schemaRef ds:uri="http://schemas.microsoft.com/office/2006/metadata/properties"/>
+    <ds:schemaRef ds:uri="http://schemas.microsoft.com/office/infopath/2007/PartnerControls"/>
+    <ds:schemaRef ds:uri="http://schemas.openxmlformats.org/package/2006/metadata/core-properties"/>
+    <ds:schemaRef ds:uri="http://www.w3.org/XML/1998/namespace"/>
+  </ds:schemaRefs>
+</ds:datastoreItem>
+</file>
+
+<file path=customXml/itemProps2.xml><?xml version="1.0" encoding="utf-8"?>
+<ds:datastoreItem xmlns:ds="http://schemas.openxmlformats.org/officeDocument/2006/customXml" ds:itemID="{60DAC259-07A6-4CF1-8D5F-27F2542FECA7}">
+  <ds:schemaRefs>
+    <ds:schemaRef ds:uri="http://schemas.microsoft.com/VisualStudio/2011/storyboarding/control"/>
+  </ds:schemaRefs>
+</ds:datastoreItem>
+</file>
+
+<file path=customXml/itemProps3.xml><?xml version="1.0" encoding="utf-8"?>
+<ds:datastoreItem xmlns:ds="http://schemas.openxmlformats.org/officeDocument/2006/customXml" ds:itemID="{6EF68454-A7F5-469A-AB0D-6CCA5D12DB56}">
+  <ds:schemaRefs>
+    <ds:schemaRef ds:uri="http://schemas.microsoft.com/VisualStudio/2011/storyboarding/control"/>
+  </ds:schemaRefs>
+</ds:datastoreItem>
+</file>
+
+<file path=customXml/itemProps4.xml><?xml version="1.0" encoding="utf-8"?>
+<ds:datastoreItem xmlns:ds="http://schemas.openxmlformats.org/officeDocument/2006/customXml" ds:itemID="{0E436CF9-DC82-4BEA-BDAF-C01ED6615052}">
+  <ds:schemaRefs>
+    <ds:schemaRef ds:uri="http://schemas.microsoft.com/VisualStudio/2011/storyboarding/control"/>
+  </ds:schemaRefs>
+</ds:datastoreItem>
+</file>
+
+<file path=customXml/itemProps5.xml><?xml version="1.0" encoding="utf-8"?>
 <ds:datastoreItem xmlns:ds="http://schemas.openxmlformats.org/officeDocument/2006/customXml" ds:itemID="{23ED7075-E59F-4605-A036-4EB8D246BFBD}">
   <ds:schemaRefs>
     <ds:schemaRef ds:uri="57bc2cd6-cfd7-42e3-8135-9688bd54b490"/>
@@ -12925,46 +13029,6 @@
 </ds:datastoreItem>
 </file>
 
-<file path=customXml/itemProps2.xml><?xml version="1.0" encoding="utf-8"?>
-<ds:datastoreItem xmlns:ds="http://schemas.openxmlformats.org/officeDocument/2006/customXml" ds:itemID="{0E436CF9-DC82-4BEA-BDAF-C01ED6615052}">
-  <ds:schemaRefs>
-    <ds:schemaRef ds:uri="http://schemas.microsoft.com/VisualStudio/2011/storyboarding/control"/>
-  </ds:schemaRefs>
-</ds:datastoreItem>
-</file>
-
-<file path=customXml/itemProps3.xml><?xml version="1.0" encoding="utf-8"?>
-<ds:datastoreItem xmlns:ds="http://schemas.openxmlformats.org/officeDocument/2006/customXml" ds:itemID="{6EF68454-A7F5-469A-AB0D-6CCA5D12DB56}">
-  <ds:schemaRefs>
-    <ds:schemaRef ds:uri="http://schemas.microsoft.com/VisualStudio/2011/storyboarding/control"/>
-  </ds:schemaRefs>
-</ds:datastoreItem>
-</file>
-
-<file path=customXml/itemProps4.xml><?xml version="1.0" encoding="utf-8"?>
-<ds:datastoreItem xmlns:ds="http://schemas.openxmlformats.org/officeDocument/2006/customXml" ds:itemID="{60DAC259-07A6-4CF1-8D5F-27F2542FECA7}">
-  <ds:schemaRefs>
-    <ds:schemaRef ds:uri="http://schemas.microsoft.com/VisualStudio/2011/storyboarding/control"/>
-  </ds:schemaRefs>
-</ds:datastoreItem>
-</file>
-
-<file path=customXml/itemProps5.xml><?xml version="1.0" encoding="utf-8"?>
-<ds:datastoreItem xmlns:ds="http://schemas.openxmlformats.org/officeDocument/2006/customXml" ds:itemID="{3D09EFFD-B63B-4966-8171-9C7425D3869B}">
-  <ds:schemaRefs>
-    <ds:schemaRef ds:uri="57bc2cd6-cfd7-42e3-8135-9688bd54b490"/>
-    <ds:schemaRef ds:uri="http://purl.org/dc/dcmitype/"/>
-    <ds:schemaRef ds:uri="http://purl.org/dc/elements/1.1/"/>
-    <ds:schemaRef ds:uri="http://purl.org/dc/terms/"/>
-    <ds:schemaRef ds:uri="http://schemas.microsoft.com/office/2006/documentManagement/types"/>
-    <ds:schemaRef ds:uri="http://schemas.microsoft.com/office/2006/metadata/properties"/>
-    <ds:schemaRef ds:uri="http://schemas.microsoft.com/office/infopath/2007/PartnerControls"/>
-    <ds:schemaRef ds:uri="http://schemas.openxmlformats.org/package/2006/metadata/core-properties"/>
-    <ds:schemaRef ds:uri="http://www.w3.org/XML/1998/namespace"/>
-  </ds:schemaRefs>
-</ds:datastoreItem>
-</file>
-
 <file path=customXml/itemProps6.xml><?xml version="1.0" encoding="utf-8"?>
 <ds:datastoreItem xmlns:ds="http://schemas.openxmlformats.org/officeDocument/2006/customXml" ds:itemID="{8B6FED39-8698-438C-AF26-9F666E895645}">
   <ds:schemaRefs>
